--- a/_site/translations/en-us/RobotGame/ConsolidatedJudging.pptx
+++ b/_site/translations/en-us/RobotGame/ConsolidatedJudging.pptx
@@ -19,7 +19,7 @@
   <p:sldIdLst>
     <p:sldId id="289" r:id="rId8"/>
     <p:sldId id="300" r:id="rId9"/>
-    <p:sldId id="301" r:id="rId10"/>
+    <p:sldId id="305" r:id="rId10"/>
     <p:sldId id="302" r:id="rId11"/>
     <p:sldId id="303" r:id="rId12"/>
     <p:sldId id="304" r:id="rId13"/>
@@ -223,7 +223,7 @@
           <a:p>
             <a:fld id="{E354B44E-40A3-0E46-B16A-9BF1250A248B}" type="datetimeFigureOut">
               <a:rPr lang="en-US" smtClean="0"/>
-              <a:t>7/8/19</a:t>
+              <a:t>10/27/22</a:t>
             </a:fld>
             <a:endParaRPr lang="en-US"/>
           </a:p>
@@ -389,7 +389,7 @@
           <a:p>
             <a:fld id="{C86AD16C-2DB4-6642-BAD4-9ED973A087A0}" type="datetimeFigureOut">
               <a:rPr lang="en-US" smtClean="0"/>
-              <a:t>7/8/19</a:t>
+              <a:t>10/27/22</a:t>
             </a:fld>
             <a:endParaRPr lang="en-US"/>
           </a:p>
@@ -1016,9 +1016,9 @@
           <a:bodyPr/>
           <a:lstStyle/>
           <a:p>
-            <a:fld id="{7F41BA8B-E3C0-834C-AA20-E62D8B6E3FBD}" type="datetime1">
+            <a:fld id="{45917504-4963-CD41-ACAC-5C6900A6DF20}" type="datetime1">
               <a:rPr lang="en-US" smtClean="0"/>
-              <a:t>7/8/19</a:t>
+              <a:t>10/27/22</a:t>
             </a:fld>
             <a:endParaRPr lang="en-US"/>
           </a:p>
@@ -1041,7 +1041,7 @@
           <a:p>
             <a:r>
               <a:rPr lang="en-US"/>
-              <a:t>© 2019, FLL Tutorials, Last Edit 7/07/2019</a:t>
+              <a:t>© 2022, FLL Tutorials</a:t>
             </a:r>
           </a:p>
         </p:txBody>
@@ -1612,9 +1612,9 @@
           <a:bodyPr/>
           <a:lstStyle/>
           <a:p>
-            <a:fld id="{D7ABD406-040A-2F4E-8A5D-614782475A85}" type="datetime1">
+            <a:fld id="{7CC7E88E-4844-4A49-ADF5-4ACECF47B7A3}" type="datetime1">
               <a:rPr lang="en-US" smtClean="0"/>
-              <a:t>7/8/19</a:t>
+              <a:t>10/27/22</a:t>
             </a:fld>
             <a:endParaRPr lang="en-US"/>
           </a:p>
@@ -1637,7 +1637,7 @@
           <a:p>
             <a:r>
               <a:rPr lang="en-US"/>
-              <a:t>© 2019, FLL Tutorials, Last Edit 7/07/2019</a:t>
+              <a:t>© 2022, FLL Tutorials</a:t>
             </a:r>
           </a:p>
         </p:txBody>
@@ -1793,9 +1793,9 @@
           <a:bodyPr/>
           <a:lstStyle/>
           <a:p>
-            <a:fld id="{1825C4B6-8311-A04C-B3F8-21A45A3B3F75}" type="datetime1">
+            <a:fld id="{2001A481-F994-9B40-A7EB-AFD31A62D23F}" type="datetime1">
               <a:rPr lang="en-US" smtClean="0"/>
-              <a:t>7/8/19</a:t>
+              <a:t>10/27/22</a:t>
             </a:fld>
             <a:endParaRPr lang="en-US"/>
           </a:p>
@@ -1818,7 +1818,7 @@
           <a:p>
             <a:r>
               <a:rPr lang="en-US"/>
-              <a:t>© 2019, FLL Tutorials, Last Edit 7/07/2019</a:t>
+              <a:t>© 2022, FLL Tutorials</a:t>
             </a:r>
           </a:p>
         </p:txBody>
@@ -2009,9 +2009,9 @@
           <a:bodyPr/>
           <a:lstStyle/>
           <a:p>
-            <a:fld id="{728FB7D8-CD74-D141-A56A-D8514EDC9EEB}" type="datetime1">
+            <a:fld id="{754D787E-799D-CE44-87D8-A6DC99BB6437}" type="datetime1">
               <a:rPr lang="en-US" smtClean="0"/>
-              <a:t>7/8/19</a:t>
+              <a:t>10/27/22</a:t>
             </a:fld>
             <a:endParaRPr lang="en-US"/>
           </a:p>
@@ -2039,7 +2039,7 @@
           <a:p>
             <a:r>
               <a:rPr lang="en-US"/>
-              <a:t>© 2019, FLL Tutorials, Last Edit 7/07/2019</a:t>
+              <a:t>© 2022, FLL Tutorials</a:t>
             </a:r>
           </a:p>
         </p:txBody>
@@ -2229,7 +2229,7 @@
           <a:noFill/>
           <a:extLst>
             <a:ext uri="{909E8E84-426E-40dd-AFC4-6F175D3DCCD1}">
-              <a14:hiddenFill xmlns:a14="http://schemas.microsoft.com/office/drawing/2010/main" xmlns="">
+              <a14:hiddenFill xmlns="" xmlns:a14="http://schemas.microsoft.com/office/drawing/2010/main">
                 <a:solidFill>
                   <a:srgbClr val="FFFFFF"/>
                 </a:solidFill>
@@ -2853,9 +2853,9 @@
           <a:bodyPr/>
           <a:lstStyle/>
           <a:p>
-            <a:fld id="{E2909565-B603-C747-BD3A-9EA5366CF34B}" type="datetime1">
+            <a:fld id="{C951D704-2CAA-7A48-A9F9-FFFBB8A095E9}" type="datetime1">
               <a:rPr lang="en-US" smtClean="0"/>
-              <a:t>7/8/19</a:t>
+              <a:t>10/27/22</a:t>
             </a:fld>
             <a:endParaRPr lang="en-US"/>
           </a:p>
@@ -2878,7 +2878,7 @@
           <a:p>
             <a:r>
               <a:rPr lang="en-US"/>
-              <a:t>© 2019, FLL Tutorials, Last Edit 7/07/2019</a:t>
+              <a:t>© 2022, FLL Tutorials</a:t>
             </a:r>
           </a:p>
         </p:txBody>
@@ -3118,9 +3118,9 @@
           <a:bodyPr/>
           <a:lstStyle/>
           <a:p>
-            <a:fld id="{0D45A3F4-25E2-6143-A831-5CDDBD9C9FF3}" type="datetime1">
+            <a:fld id="{A137FC13-6EC4-0D4C-B7D9-35A376760E26}" type="datetime1">
               <a:rPr lang="en-US" smtClean="0"/>
-              <a:t>7/8/19</a:t>
+              <a:t>10/27/22</a:t>
             </a:fld>
             <a:endParaRPr lang="en-US"/>
           </a:p>
@@ -3174,7 +3174,7 @@
           <a:p>
             <a:r>
               <a:rPr lang="en-US"/>
-              <a:t>© 2019, FLL Tutorials, Last Edit 7/07/2019</a:t>
+              <a:t>© 2022, FLL Tutorials</a:t>
             </a:r>
           </a:p>
         </p:txBody>
@@ -3421,9 +3421,9 @@
           <a:bodyPr/>
           <a:lstStyle/>
           <a:p>
-            <a:fld id="{D35E2155-3058-6B4F-9217-3B43D79C3851}" type="datetime1">
+            <a:fld id="{86D3AB76-9F9F-F54D-9850-245426D8E8BA}" type="datetime1">
               <a:rPr lang="en-US" smtClean="0"/>
-              <a:t>7/8/19</a:t>
+              <a:t>10/27/22</a:t>
             </a:fld>
             <a:endParaRPr lang="en-US"/>
           </a:p>
@@ -3446,7 +3446,7 @@
           <a:p>
             <a:r>
               <a:rPr lang="en-US"/>
-              <a:t>© 2019, FLL Tutorials, Last Edit 7/07/2019</a:t>
+              <a:t>© 2022, FLL Tutorials</a:t>
             </a:r>
           </a:p>
         </p:txBody>
@@ -3875,9 +3875,9 @@
           <a:bodyPr/>
           <a:lstStyle/>
           <a:p>
-            <a:fld id="{886CFDCD-5825-AA48-AAF0-FA843706B095}" type="datetime1">
+            <a:fld id="{53EF38C1-9C3B-D845-B8CA-5A4FC866D566}" type="datetime1">
               <a:rPr lang="en-US" smtClean="0"/>
-              <a:t>7/8/19</a:t>
+              <a:t>10/27/22</a:t>
             </a:fld>
             <a:endParaRPr lang="en-US"/>
           </a:p>
@@ -3900,7 +3900,7 @@
           <a:p>
             <a:r>
               <a:rPr lang="en-US"/>
-              <a:t>© 2019, FLL Tutorials, Last Edit 7/07/2019</a:t>
+              <a:t>© 2022, FLL Tutorials</a:t>
             </a:r>
           </a:p>
         </p:txBody>
@@ -4003,9 +4003,9 @@
           <a:bodyPr/>
           <a:lstStyle/>
           <a:p>
-            <a:fld id="{5A7305D9-3EFE-5648-8057-9152A1F51811}" type="datetime1">
+            <a:fld id="{9000E643-3764-5E4B-896A-6794DE4A77E3}" type="datetime1">
               <a:rPr lang="en-US" smtClean="0"/>
-              <a:t>7/8/19</a:t>
+              <a:t>10/27/22</a:t>
             </a:fld>
             <a:endParaRPr lang="en-US"/>
           </a:p>
@@ -4028,7 +4028,7 @@
           <a:p>
             <a:r>
               <a:rPr lang="en-US"/>
-              <a:t>© 2019, FLL Tutorials, Last Edit 7/07/2019</a:t>
+              <a:t>© 2022, FLL Tutorials</a:t>
             </a:r>
           </a:p>
         </p:txBody>
@@ -4109,9 +4109,9 @@
           <a:bodyPr/>
           <a:lstStyle/>
           <a:p>
-            <a:fld id="{0593F66B-4929-C344-92DA-B96D2495C7B3}" type="datetime1">
+            <a:fld id="{EAD7E02A-D72E-884C-9434-5EC0445AB235}" type="datetime1">
               <a:rPr lang="en-US" smtClean="0"/>
-              <a:t>7/8/19</a:t>
+              <a:t>10/27/22</a:t>
             </a:fld>
             <a:endParaRPr lang="en-US"/>
           </a:p>
@@ -4134,7 +4134,7 @@
           <a:p>
             <a:r>
               <a:rPr lang="en-US"/>
-              <a:t>© 2019, FLL Tutorials, Last Edit 7/07/2019</a:t>
+              <a:t>© 2022, FLL Tutorials</a:t>
             </a:r>
           </a:p>
         </p:txBody>
@@ -4367,9 +4367,9 @@
           <a:bodyPr/>
           <a:lstStyle/>
           <a:p>
-            <a:fld id="{2E139B4D-8158-7641-BE44-09752D9EDA7C}" type="datetime1">
+            <a:fld id="{F18B3150-9E4F-754C-9970-73BEDA88D8C1}" type="datetime1">
               <a:rPr lang="en-US" smtClean="0"/>
-              <a:t>7/8/19</a:t>
+              <a:t>10/27/22</a:t>
             </a:fld>
             <a:endParaRPr lang="en-US"/>
           </a:p>
@@ -4392,7 +4392,7 @@
           <a:p>
             <a:r>
               <a:rPr lang="en-US"/>
-              <a:t>© 2019, FLL Tutorials, Last Edit 7/07/2019</a:t>
+              <a:t>© 2022, FLL Tutorials</a:t>
             </a:r>
           </a:p>
         </p:txBody>
@@ -4579,9 +4579,9 @@
           <a:bodyPr/>
           <a:lstStyle/>
           <a:p>
-            <a:fld id="{73F8D10C-CEB8-6F4E-A6C7-855297218918}" type="datetime1">
+            <a:fld id="{6264EF6E-6D9F-B547-BDDF-5AC239EE5CE4}" type="datetime1">
               <a:rPr lang="en-US" smtClean="0"/>
-              <a:t>7/8/19</a:t>
+              <a:t>10/27/22</a:t>
             </a:fld>
             <a:endParaRPr lang="en-US"/>
           </a:p>
@@ -4604,7 +4604,7 @@
           <a:p>
             <a:r>
               <a:rPr lang="en-US"/>
-              <a:t>© 2019, FLL Tutorials, Last Edit 7/07/2019</a:t>
+              <a:t>© 2022, FLL Tutorials</a:t>
             </a:r>
           </a:p>
         </p:txBody>
@@ -4862,9 +4862,9 @@
           <a:bodyPr/>
           <a:lstStyle/>
           <a:p>
-            <a:fld id="{1DCB8A30-2984-1146-86D6-6679113F3D34}" type="datetime1">
+            <a:fld id="{399EC7DA-8F5C-A84D-95C3-3BCEE408939B}" type="datetime1">
               <a:rPr lang="en-US" smtClean="0"/>
-              <a:t>7/8/19</a:t>
+              <a:t>10/27/22</a:t>
             </a:fld>
             <a:endParaRPr lang="en-US"/>
           </a:p>
@@ -4887,7 +4887,7 @@
           <a:p>
             <a:r>
               <a:rPr lang="en-US"/>
-              <a:t>© 2019, FLL Tutorials, Last Edit 7/07/2019</a:t>
+              <a:t>© 2022, FLL Tutorials</a:t>
             </a:r>
           </a:p>
         </p:txBody>
@@ -5129,9 +5129,9 @@
           <a:bodyPr/>
           <a:lstStyle/>
           <a:p>
-            <a:fld id="{DCE02812-2C97-7E42-B47D-A726A79A4EEF}" type="datetime1">
+            <a:fld id="{CB03346B-60F2-4945-8E37-6DF8792C7363}" type="datetime1">
               <a:rPr lang="en-US" smtClean="0"/>
-              <a:t>7/8/19</a:t>
+              <a:t>10/27/22</a:t>
             </a:fld>
             <a:endParaRPr lang="en-US"/>
           </a:p>
@@ -5154,7 +5154,7 @@
           <a:p>
             <a:r>
               <a:rPr lang="en-US"/>
-              <a:t>© 2019, FLL Tutorials, Last Edit 7/07/2019</a:t>
+              <a:t>© 2022, FLL Tutorials</a:t>
             </a:r>
           </a:p>
         </p:txBody>
@@ -5318,9 +5318,9 @@
           <a:bodyPr/>
           <a:lstStyle/>
           <a:p>
-            <a:fld id="{713CA32A-1709-3B46-A6F1-21A959E2776C}" type="datetime1">
+            <a:fld id="{4AA81B21-0BAE-0545-807D-93D73B7B8BD8}" type="datetime1">
               <a:rPr lang="en-US" smtClean="0"/>
-              <a:t>7/8/19</a:t>
+              <a:t>10/27/22</a:t>
             </a:fld>
             <a:endParaRPr lang="en-US"/>
           </a:p>
@@ -5343,7 +5343,7 @@
           <a:p>
             <a:r>
               <a:rPr lang="en-US"/>
-              <a:t>© 2019, FLL Tutorials, Last Edit 7/07/2019</a:t>
+              <a:t>© 2022, FLL Tutorials</a:t>
             </a:r>
           </a:p>
         </p:txBody>
@@ -5519,9 +5519,9 @@
           <a:bodyPr/>
           <a:lstStyle/>
           <a:p>
-            <a:fld id="{ED9F62D4-4892-DA4F-8FF0-680F18D21389}" type="datetime1">
+            <a:fld id="{7350848A-68DD-0149-BE74-72F5108DDF9F}" type="datetime1">
               <a:rPr lang="en-US" smtClean="0"/>
-              <a:t>7/8/19</a:t>
+              <a:t>10/27/22</a:t>
             </a:fld>
             <a:endParaRPr lang="en-US"/>
           </a:p>
@@ -5544,7 +5544,7 @@
           <a:p>
             <a:r>
               <a:rPr lang="en-US"/>
-              <a:t>© 2019, FLL Tutorials, Last Edit 7/07/2019</a:t>
+              <a:t>© 2022, FLL Tutorials</a:t>
             </a:r>
           </a:p>
         </p:txBody>
@@ -5690,9 +5690,9 @@
           <a:bodyPr/>
           <a:lstStyle/>
           <a:p>
-            <a:fld id="{2C8E2399-74EA-2A49-A9CB-EC810FEB8B78}" type="datetime1">
+            <a:fld id="{645F98FE-551F-A44A-84CB-313A5132E582}" type="datetime1">
               <a:rPr lang="en-US" smtClean="0"/>
-              <a:t>7/8/19</a:t>
+              <a:t>10/27/22</a:t>
             </a:fld>
             <a:endParaRPr lang="en-US"/>
           </a:p>
@@ -5715,7 +5715,7 @@
           <a:p>
             <a:r>
               <a:rPr lang="en-US"/>
-              <a:t>© 2019, FLL Tutorials, Last Edit 7/07/2019</a:t>
+              <a:t>© 2022, FLL Tutorials</a:t>
             </a:r>
           </a:p>
         </p:txBody>
@@ -5938,9 +5938,9 @@
           <a:bodyPr/>
           <a:lstStyle/>
           <a:p>
-            <a:fld id="{7B80393F-E3D0-3B41-B28B-09121EB0F482}" type="datetime1">
+            <a:fld id="{43B50FAE-47D2-124A-AFD2-85CDA513A215}" type="datetime1">
               <a:rPr lang="en-US" smtClean="0"/>
-              <a:t>7/8/19</a:t>
+              <a:t>10/27/22</a:t>
             </a:fld>
             <a:endParaRPr lang="en-US"/>
           </a:p>
@@ -5963,7 +5963,7 @@
           <a:p>
             <a:r>
               <a:rPr lang="en-US"/>
-              <a:t>© 2019, FLL Tutorials, Last Edit 7/07/2019</a:t>
+              <a:t>© 2022, FLL Tutorials</a:t>
             </a:r>
           </a:p>
         </p:txBody>
@@ -6170,9 +6170,9 @@
           <a:bodyPr/>
           <a:lstStyle/>
           <a:p>
-            <a:fld id="{FE6B623C-647A-504D-8BA9-69FC99D010FE}" type="datetime1">
+            <a:fld id="{1DD6DC7B-F1C1-AF42-A60A-28606BE14A8D}" type="datetime1">
               <a:rPr lang="en-US" smtClean="0"/>
-              <a:t>7/8/19</a:t>
+              <a:t>10/27/22</a:t>
             </a:fld>
             <a:endParaRPr lang="en-US"/>
           </a:p>
@@ -6195,7 +6195,7 @@
           <a:p>
             <a:r>
               <a:rPr lang="en-US"/>
-              <a:t>© 2019, FLL Tutorials, Last Edit 7/07/2019</a:t>
+              <a:t>© 2022, FLL Tutorials</a:t>
             </a:r>
           </a:p>
         </p:txBody>
@@ -6537,9 +6537,9 @@
           <a:bodyPr/>
           <a:lstStyle/>
           <a:p>
-            <a:fld id="{2484E312-3C36-4741-A92B-CF99D98227A9}" type="datetime1">
+            <a:fld id="{66870FB3-6E90-8E4D-9628-48D8509A3310}" type="datetime1">
               <a:rPr lang="en-US" smtClean="0"/>
-              <a:t>7/8/19</a:t>
+              <a:t>10/27/22</a:t>
             </a:fld>
             <a:endParaRPr lang="en-US"/>
           </a:p>
@@ -6562,7 +6562,7 @@
           <a:p>
             <a:r>
               <a:rPr lang="en-US"/>
-              <a:t>© 2019, FLL Tutorials, Last Edit 7/07/2019</a:t>
+              <a:t>© 2022, FLL Tutorials</a:t>
             </a:r>
           </a:p>
         </p:txBody>
@@ -6657,9 +6657,9 @@
           <a:bodyPr/>
           <a:lstStyle/>
           <a:p>
-            <a:fld id="{16C58990-C1F4-284E-8B8C-81120833B625}" type="datetime1">
+            <a:fld id="{1EC48B85-50CE-244A-B82E-8EE865EF10B6}" type="datetime1">
               <a:rPr lang="en-US" smtClean="0"/>
-              <a:t>7/8/19</a:t>
+              <a:t>10/27/22</a:t>
             </a:fld>
             <a:endParaRPr lang="en-US"/>
           </a:p>
@@ -6682,7 +6682,7 @@
           <a:p>
             <a:r>
               <a:rPr lang="en-US"/>
-              <a:t>© 2019, FLL Tutorials, Last Edit 7/07/2019</a:t>
+              <a:t>© 2022, FLL Tutorials</a:t>
             </a:r>
           </a:p>
         </p:txBody>
@@ -6755,9 +6755,9 @@
           <a:bodyPr/>
           <a:lstStyle/>
           <a:p>
-            <a:fld id="{7969C137-050B-6D43-9DF2-74F568038611}" type="datetime1">
+            <a:fld id="{C2D58395-FD04-4F44-BA5D-CD8FCADFF310}" type="datetime1">
               <a:rPr lang="en-US" smtClean="0"/>
-              <a:t>7/8/19</a:t>
+              <a:t>10/27/22</a:t>
             </a:fld>
             <a:endParaRPr lang="en-US"/>
           </a:p>
@@ -6780,7 +6780,7 @@
           <a:p>
             <a:r>
               <a:rPr lang="en-US"/>
-              <a:t>© 2019, FLL Tutorials, Last Edit 7/07/2019</a:t>
+              <a:t>© 2022, FLL Tutorials</a:t>
             </a:r>
           </a:p>
         </p:txBody>
@@ -7012,9 +7012,9 @@
           <a:bodyPr/>
           <a:lstStyle/>
           <a:p>
-            <a:fld id="{D779F2BB-2330-D741-BAF4-AC028868F953}" type="datetime1">
+            <a:fld id="{B1E2ACA9-7585-B149-9CE8-5DC97F2F00B7}" type="datetime1">
               <a:rPr lang="en-US" smtClean="0"/>
-              <a:t>7/8/19</a:t>
+              <a:t>10/27/22</a:t>
             </a:fld>
             <a:endParaRPr lang="en-US"/>
           </a:p>
@@ -7060,7 +7060,7 @@
           <a:p>
             <a:r>
               <a:rPr lang="en-US"/>
-              <a:t>© 2019, FLL Tutorials, Last Edit 7/07/2019</a:t>
+              <a:t>© 2022, FLL Tutorials</a:t>
             </a:r>
           </a:p>
         </p:txBody>
@@ -7290,9 +7290,9 @@
           <a:bodyPr/>
           <a:lstStyle/>
           <a:p>
-            <a:fld id="{DFC012F6-EEC3-CB4E-AFE3-5172F7F1CD2E}" type="datetime1">
+            <a:fld id="{1B05CCB4-93F7-0A4A-8AEF-DEB5176EDB66}" type="datetime1">
               <a:rPr lang="en-US" smtClean="0"/>
-              <a:t>7/8/19</a:t>
+              <a:t>10/27/22</a:t>
             </a:fld>
             <a:endParaRPr lang="en-US"/>
           </a:p>
@@ -7315,7 +7315,7 @@
           <a:p>
             <a:r>
               <a:rPr lang="en-US"/>
-              <a:t>© 2019, FLL Tutorials, Last Edit 7/07/2019</a:t>
+              <a:t>© 2022, FLL Tutorials</a:t>
             </a:r>
           </a:p>
         </p:txBody>
@@ -7548,9 +7548,9 @@
           <a:bodyPr/>
           <a:lstStyle/>
           <a:p>
-            <a:fld id="{F3936EF1-567F-724A-9059-1D7B8A6EA3DB}" type="datetime1">
+            <a:fld id="{B4424A38-02FD-7344-B521-C15E26A45986}" type="datetime1">
               <a:rPr lang="en-US" smtClean="0"/>
-              <a:t>7/8/19</a:t>
+              <a:t>10/27/22</a:t>
             </a:fld>
             <a:endParaRPr lang="en-US"/>
           </a:p>
@@ -7573,7 +7573,7 @@
           <a:p>
             <a:r>
               <a:rPr lang="en-US"/>
-              <a:t>© 2019, FLL Tutorials, Last Edit 7/07/2019</a:t>
+              <a:t>© 2022, FLL Tutorials</a:t>
             </a:r>
           </a:p>
         </p:txBody>
@@ -7719,9 +7719,9 @@
           <a:bodyPr/>
           <a:lstStyle/>
           <a:p>
-            <a:fld id="{4001C246-5C73-BC46-8421-C464815E0B54}" type="datetime1">
+            <a:fld id="{C0AB6ECD-5B6B-B545-B35A-1DE812D8D2A2}" type="datetime1">
               <a:rPr lang="en-US" smtClean="0"/>
-              <a:t>7/8/19</a:t>
+              <a:t>10/27/22</a:t>
             </a:fld>
             <a:endParaRPr lang="en-US"/>
           </a:p>
@@ -7744,7 +7744,7 @@
           <a:p>
             <a:r>
               <a:rPr lang="en-US"/>
-              <a:t>© 2019, FLL Tutorials, Last Edit 7/07/2019</a:t>
+              <a:t>© 2022, FLL Tutorials</a:t>
             </a:r>
           </a:p>
         </p:txBody>
@@ -7900,9 +7900,9 @@
           <a:bodyPr/>
           <a:lstStyle/>
           <a:p>
-            <a:fld id="{329CBACA-033A-274F-9E35-10670E9E9329}" type="datetime1">
+            <a:fld id="{17DE5C98-937C-9342-8AB0-AE80A02A8137}" type="datetime1">
               <a:rPr lang="en-US" smtClean="0"/>
-              <a:t>7/8/19</a:t>
+              <a:t>10/27/22</a:t>
             </a:fld>
             <a:endParaRPr lang="en-US"/>
           </a:p>
@@ -7925,7 +7925,7 @@
           <a:p>
             <a:r>
               <a:rPr lang="en-US"/>
-              <a:t>© 2019, FLL Tutorials, Last Edit 7/07/2019</a:t>
+              <a:t>© 2022, FLL Tutorials</a:t>
             </a:r>
           </a:p>
         </p:txBody>
@@ -8157,9 +8157,9 @@
           <a:bodyPr/>
           <a:lstStyle/>
           <a:p>
-            <a:fld id="{C0EC83B5-9FB5-3F4A-8F92-337CF6F72AC1}" type="datetime1">
+            <a:fld id="{72AD58DD-C9D6-4F43-B9FA-4E1587E4C209}" type="datetime1">
               <a:rPr lang="en-US" smtClean="0"/>
-              <a:t>7/8/19</a:t>
+              <a:t>10/27/22</a:t>
             </a:fld>
             <a:endParaRPr lang="en-US"/>
           </a:p>
@@ -8182,7 +8182,7 @@
           <a:p>
             <a:r>
               <a:rPr lang="en-US"/>
-              <a:t>© 2019, FLL Tutorials, Last Edit 7/07/2019</a:t>
+              <a:t>© 2022, FLL Tutorials</a:t>
             </a:r>
           </a:p>
         </p:txBody>
@@ -9181,9 +9181,9 @@
           <a:bodyPr/>
           <a:lstStyle/>
           <a:p>
-            <a:fld id="{CE0932F5-1553-A646-8139-CEACC5C3C281}" type="datetime1">
+            <a:fld id="{618B72C5-4977-3148-AA45-49731A9D80E1}" type="datetime1">
               <a:rPr lang="en-US" smtClean="0"/>
-              <a:t>7/8/19</a:t>
+              <a:t>10/27/22</a:t>
             </a:fld>
             <a:endParaRPr lang="en-US"/>
           </a:p>
@@ -9206,7 +9206,7 @@
           <a:p>
             <a:r>
               <a:rPr lang="en-US"/>
-              <a:t>© 2019, FLL Tutorials, Last Edit 7/07/2019</a:t>
+              <a:t>© 2022, FLL Tutorials</a:t>
             </a:r>
           </a:p>
         </p:txBody>
@@ -9443,9 +9443,9 @@
           <a:bodyPr/>
           <a:lstStyle/>
           <a:p>
-            <a:fld id="{ACE42096-B82A-A24D-A232-45406D396623}" type="datetime1">
+            <a:fld id="{67E1A1AF-8E49-C14F-AF33-9B843E19E431}" type="datetime1">
               <a:rPr lang="en-US" smtClean="0"/>
-              <a:t>7/8/19</a:t>
+              <a:t>10/27/22</a:t>
             </a:fld>
             <a:endParaRPr lang="en-US"/>
           </a:p>
@@ -9491,7 +9491,7 @@
           <a:p>
             <a:r>
               <a:rPr lang="en-US"/>
-              <a:t>© 2019, FLL Tutorials, Last Edit 7/07/2019</a:t>
+              <a:t>© 2022, FLL Tutorials</a:t>
             </a:r>
           </a:p>
         </p:txBody>
@@ -9738,9 +9738,9 @@
           <a:bodyPr/>
           <a:lstStyle/>
           <a:p>
-            <a:fld id="{3A6E0F47-F20C-DD4D-9348-E6B206D185DF}" type="datetime1">
+            <a:fld id="{EAC52CB0-35A9-EF46-8EDF-E4F235553098}" type="datetime1">
               <a:rPr lang="en-US" smtClean="0"/>
-              <a:t>7/8/19</a:t>
+              <a:t>10/27/22</a:t>
             </a:fld>
             <a:endParaRPr lang="en-US"/>
           </a:p>
@@ -9763,7 +9763,7 @@
           <a:p>
             <a:r>
               <a:rPr lang="en-US"/>
-              <a:t>© 2019, FLL Tutorials, Last Edit 7/07/2019</a:t>
+              <a:t>© 2022, FLL Tutorials</a:t>
             </a:r>
           </a:p>
         </p:txBody>
@@ -10184,9 +10184,9 @@
           <a:bodyPr/>
           <a:lstStyle/>
           <a:p>
-            <a:fld id="{E3FDA88B-6857-7942-8DB6-DCEB785A5257}" type="datetime1">
+            <a:fld id="{3AAAC007-C4DF-634B-851F-482C234EE148}" type="datetime1">
               <a:rPr lang="en-US" smtClean="0"/>
-              <a:t>7/8/19</a:t>
+              <a:t>10/27/22</a:t>
             </a:fld>
             <a:endParaRPr lang="en-US"/>
           </a:p>
@@ -10209,7 +10209,7 @@
           <a:p>
             <a:r>
               <a:rPr lang="en-US"/>
-              <a:t>© 2019, FLL Tutorials, Last Edit 7/07/2019</a:t>
+              <a:t>© 2022, FLL Tutorials</a:t>
             </a:r>
           </a:p>
         </p:txBody>
@@ -10304,9 +10304,9 @@
           <a:bodyPr/>
           <a:lstStyle/>
           <a:p>
-            <a:fld id="{B6A6E294-D352-B749-969B-EEFDCBD7E7EB}" type="datetime1">
+            <a:fld id="{48D7F1B6-8339-5044-901F-0E100BD173ED}" type="datetime1">
               <a:rPr lang="en-US" smtClean="0"/>
-              <a:t>7/8/19</a:t>
+              <a:t>10/27/22</a:t>
             </a:fld>
             <a:endParaRPr lang="en-US"/>
           </a:p>
@@ -10329,7 +10329,7 @@
           <a:p>
             <a:r>
               <a:rPr lang="en-US"/>
-              <a:t>© 2019, FLL Tutorials, Last Edit 7/07/2019</a:t>
+              <a:t>© 2022, FLL Tutorials</a:t>
             </a:r>
           </a:p>
         </p:txBody>
@@ -10598,9 +10598,9 @@
           <a:bodyPr/>
           <a:lstStyle/>
           <a:p>
-            <a:fld id="{019AF47B-DE16-814F-AF65-1E6AF3EAEB59}" type="datetime1">
+            <a:fld id="{53122170-AEFF-4E49-9B8E-E1F03DAA0147}" type="datetime1">
               <a:rPr lang="en-US" smtClean="0"/>
-              <a:t>7/8/19</a:t>
+              <a:t>10/27/22</a:t>
             </a:fld>
             <a:endParaRPr lang="en-US"/>
           </a:p>
@@ -10623,7 +10623,7 @@
           <a:p>
             <a:r>
               <a:rPr lang="en-US"/>
-              <a:t>© 2019, FLL Tutorials, Last Edit 7/07/2019</a:t>
+              <a:t>© 2022, FLL Tutorials</a:t>
             </a:r>
           </a:p>
         </p:txBody>
@@ -10696,9 +10696,9 @@
           <a:bodyPr/>
           <a:lstStyle/>
           <a:p>
-            <a:fld id="{3D61E574-170C-D04D-94E1-023171364E60}" type="datetime1">
+            <a:fld id="{6F0C44A5-519A-1A47-B575-54480F22DC8A}" type="datetime1">
               <a:rPr lang="en-US" smtClean="0"/>
-              <a:t>7/8/19</a:t>
+              <a:t>10/27/22</a:t>
             </a:fld>
             <a:endParaRPr lang="en-US"/>
           </a:p>
@@ -10721,7 +10721,7 @@
           <a:p>
             <a:r>
               <a:rPr lang="en-US"/>
-              <a:t>© 2019, FLL Tutorials, Last Edit 7/07/2019</a:t>
+              <a:t>© 2022, FLL Tutorials</a:t>
             </a:r>
           </a:p>
         </p:txBody>
@@ -10946,9 +10946,9 @@
           <a:bodyPr/>
           <a:lstStyle/>
           <a:p>
-            <a:fld id="{9538FD6E-8DD4-4D4E-AA26-7803751395B7}" type="datetime1">
+            <a:fld id="{B8C83D93-BE9F-3A41-9134-79AFCE84AF8B}" type="datetime1">
               <a:rPr lang="en-US" smtClean="0"/>
-              <a:t>7/8/19</a:t>
+              <a:t>10/27/22</a:t>
             </a:fld>
             <a:endParaRPr lang="en-US"/>
           </a:p>
@@ -10971,7 +10971,7 @@
           <a:p>
             <a:r>
               <a:rPr lang="en-US"/>
-              <a:t>© 2019, FLL Tutorials, Last Edit 7/07/2019</a:t>
+              <a:t>© 2022, FLL Tutorials</a:t>
             </a:r>
           </a:p>
         </p:txBody>
@@ -11246,9 +11246,9 @@
           <a:bodyPr/>
           <a:lstStyle/>
           <a:p>
-            <a:fld id="{F5003E7B-8F96-CA43-B85F-B50750B0E9B0}" type="datetime1">
+            <a:fld id="{802DDB54-0E97-0341-A4EB-2D0014B1026A}" type="datetime1">
               <a:rPr lang="en-US" smtClean="0"/>
-              <a:t>7/8/19</a:t>
+              <a:t>10/27/22</a:t>
             </a:fld>
             <a:endParaRPr lang="en-US"/>
           </a:p>
@@ -11271,7 +11271,7 @@
           <a:p>
             <a:r>
               <a:rPr lang="en-US"/>
-              <a:t>© 2019, FLL Tutorials, Last Edit 7/07/2019</a:t>
+              <a:t>© 2022, FLL Tutorials</a:t>
             </a:r>
           </a:p>
         </p:txBody>
@@ -11505,9 +11505,9 @@
           <a:bodyPr/>
           <a:lstStyle/>
           <a:p>
-            <a:fld id="{096073B0-C46C-B248-B015-79941B0C8D2D}" type="datetime1">
+            <a:fld id="{24420DDF-05A3-644B-9E93-8CC0312CC45F}" type="datetime1">
               <a:rPr lang="en-US" smtClean="0"/>
-              <a:t>7/8/19</a:t>
+              <a:t>10/27/22</a:t>
             </a:fld>
             <a:endParaRPr lang="en-US"/>
           </a:p>
@@ -11530,7 +11530,7 @@
           <a:p>
             <a:r>
               <a:rPr lang="en-US"/>
-              <a:t>© 2019, FLL Tutorials, Last Edit 7/07/2019</a:t>
+              <a:t>© 2022, FLL Tutorials</a:t>
             </a:r>
           </a:p>
         </p:txBody>
@@ -11686,9 +11686,9 @@
           <a:bodyPr/>
           <a:lstStyle/>
           <a:p>
-            <a:fld id="{82FD3813-0275-F94E-A93D-9B2EBEF5E6FE}" type="datetime1">
+            <a:fld id="{B74CDC75-213E-5440-BB54-1CC6137B0823}" type="datetime1">
               <a:rPr lang="en-US" smtClean="0"/>
-              <a:t>7/8/19</a:t>
+              <a:t>10/27/22</a:t>
             </a:fld>
             <a:endParaRPr lang="en-US"/>
           </a:p>
@@ -11711,7 +11711,7 @@
           <a:p>
             <a:r>
               <a:rPr lang="en-US"/>
-              <a:t>© 2019, FLL Tutorials, Last Edit 7/07/2019</a:t>
+              <a:t>© 2022, FLL Tutorials</a:t>
             </a:r>
           </a:p>
         </p:txBody>
@@ -11902,9 +11902,9 @@
           <a:bodyPr/>
           <a:lstStyle/>
           <a:p>
-            <a:fld id="{1ECB25D5-05D1-0241-868D-A1894942D3E7}" type="datetime1">
+            <a:fld id="{39362B6D-72EE-1346-A5FE-EC8432290BFF}" type="datetime1">
               <a:rPr lang="en-US" smtClean="0"/>
-              <a:t>7/8/19</a:t>
+              <a:t>10/27/22</a:t>
             </a:fld>
             <a:endParaRPr lang="en-US"/>
           </a:p>
@@ -11932,7 +11932,7 @@
           <a:p>
             <a:r>
               <a:rPr lang="en-US"/>
-              <a:t>© 2019, FLL Tutorials, Last Edit 7/07/2019</a:t>
+              <a:t>© 2022, FLL Tutorials</a:t>
             </a:r>
           </a:p>
         </p:txBody>
@@ -13158,9 +13158,9 @@
           <a:bodyPr/>
           <a:lstStyle/>
           <a:p>
-            <a:fld id="{8A078748-43C3-D34D-83BD-242C090E737F}" type="datetime1">
+            <a:fld id="{6EA3F113-9C33-CD40-84B7-8C96802F097C}" type="datetime1">
               <a:rPr lang="en-US" smtClean="0"/>
-              <a:t>7/8/19</a:t>
+              <a:t>10/27/22</a:t>
             </a:fld>
             <a:endParaRPr lang="en-US"/>
           </a:p>
@@ -13183,7 +13183,7 @@
           <a:p>
             <a:r>
               <a:rPr lang="en-US"/>
-              <a:t>© 2019, FLL Tutorials, Last Edit 7/07/2019</a:t>
+              <a:t>© 2022, FLL Tutorials</a:t>
             </a:r>
           </a:p>
         </p:txBody>
@@ -13423,9 +13423,9 @@
           <a:bodyPr/>
           <a:lstStyle/>
           <a:p>
-            <a:fld id="{80F0BBC3-7438-814E-8A7A-D4C4B480F749}" type="datetime1">
+            <a:fld id="{766DFA94-4238-5A44-96EC-9FCB4A8A4368}" type="datetime1">
               <a:rPr lang="en-US" smtClean="0"/>
-              <a:t>7/8/19</a:t>
+              <a:t>10/27/22</a:t>
             </a:fld>
             <a:endParaRPr lang="en-US"/>
           </a:p>
@@ -13479,7 +13479,7 @@
           <a:p>
             <a:r>
               <a:rPr lang="en-US"/>
-              <a:t>© 2019, FLL Tutorials, Last Edit 7/07/2019</a:t>
+              <a:t>© 2022, FLL Tutorials</a:t>
             </a:r>
           </a:p>
         </p:txBody>
@@ -13726,9 +13726,9 @@
           <a:bodyPr/>
           <a:lstStyle/>
           <a:p>
-            <a:fld id="{228B66AF-2E70-024C-BE7F-475CDB11934F}" type="datetime1">
+            <a:fld id="{D35F3BD2-4D53-1445-81FE-66343B5AB749}" type="datetime1">
               <a:rPr lang="en-US" smtClean="0"/>
-              <a:t>7/8/19</a:t>
+              <a:t>10/27/22</a:t>
             </a:fld>
             <a:endParaRPr lang="en-US"/>
           </a:p>
@@ -13751,7 +13751,7 @@
           <a:p>
             <a:r>
               <a:rPr lang="en-US"/>
-              <a:t>© 2019, FLL Tutorials, Last Edit 7/07/2019</a:t>
+              <a:t>© 2022, FLL Tutorials</a:t>
             </a:r>
           </a:p>
         </p:txBody>
@@ -14180,9 +14180,9 @@
           <a:bodyPr/>
           <a:lstStyle/>
           <a:p>
-            <a:fld id="{89372E24-47BF-464D-BC6E-CAFC3E8761FA}" type="datetime1">
+            <a:fld id="{864643F5-443B-1646-B543-3CAB7ED8E736}" type="datetime1">
               <a:rPr lang="en-US" smtClean="0"/>
-              <a:t>7/8/19</a:t>
+              <a:t>10/27/22</a:t>
             </a:fld>
             <a:endParaRPr lang="en-US"/>
           </a:p>
@@ -14205,7 +14205,7 @@
           <a:p>
             <a:r>
               <a:rPr lang="en-US"/>
-              <a:t>© 2019, FLL Tutorials, Last Edit 7/07/2019</a:t>
+              <a:t>© 2022, FLL Tutorials</a:t>
             </a:r>
           </a:p>
         </p:txBody>
@@ -14634,9 +14634,9 @@
           <a:bodyPr/>
           <a:lstStyle/>
           <a:p>
-            <a:fld id="{EE6AF763-5968-9243-84AA-7B98BB11C22D}" type="datetime1">
+            <a:fld id="{63B54FBC-DE70-854D-BBF9-C0404E51F245}" type="datetime1">
               <a:rPr lang="en-US" smtClean="0"/>
-              <a:t>7/8/19</a:t>
+              <a:t>10/27/22</a:t>
             </a:fld>
             <a:endParaRPr lang="en-US"/>
           </a:p>
@@ -14659,7 +14659,7 @@
           <a:p>
             <a:r>
               <a:rPr lang="en-US"/>
-              <a:t>© 2019, FLL Tutorials, Last Edit 7/07/2019</a:t>
+              <a:t>© 2022, FLL Tutorials</a:t>
             </a:r>
           </a:p>
         </p:txBody>
@@ -14754,9 +14754,9 @@
           <a:bodyPr/>
           <a:lstStyle/>
           <a:p>
-            <a:fld id="{744BE48C-5BFE-4F41-9D44-424089186B61}" type="datetime1">
+            <a:fld id="{26AD03EE-D541-FE47-878C-43855134A59C}" type="datetime1">
               <a:rPr lang="en-US" smtClean="0"/>
-              <a:t>7/8/19</a:t>
+              <a:t>10/27/22</a:t>
             </a:fld>
             <a:endParaRPr lang="en-US"/>
           </a:p>
@@ -14779,7 +14779,7 @@
           <a:p>
             <a:r>
               <a:rPr lang="en-US"/>
-              <a:t>© 2019, FLL Tutorials, Last Edit 7/07/2019</a:t>
+              <a:t>© 2022, FLL Tutorials</a:t>
             </a:r>
           </a:p>
         </p:txBody>
@@ -14860,9 +14860,9 @@
           <a:bodyPr/>
           <a:lstStyle/>
           <a:p>
-            <a:fld id="{FDD94D41-C80C-844D-8D85-DF9A4351530E}" type="datetime1">
+            <a:fld id="{B249ACE0-D7D0-EE4D-B95B-5AF1A18ED006}" type="datetime1">
               <a:rPr lang="en-US" smtClean="0"/>
-              <a:t>7/8/19</a:t>
+              <a:t>10/27/22</a:t>
             </a:fld>
             <a:endParaRPr lang="en-US"/>
           </a:p>
@@ -14885,7 +14885,7 @@
           <a:p>
             <a:r>
               <a:rPr lang="en-US"/>
-              <a:t>© 2019, FLL Tutorials, Last Edit 7/07/2019</a:t>
+              <a:t>© 2022, FLL Tutorials</a:t>
             </a:r>
           </a:p>
         </p:txBody>
@@ -15118,9 +15118,9 @@
           <a:bodyPr/>
           <a:lstStyle/>
           <a:p>
-            <a:fld id="{3DBEDE13-69AC-6E4A-8F79-258B40DD3800}" type="datetime1">
+            <a:fld id="{210A2D6F-07AA-D844-A623-BED5C2B705F2}" type="datetime1">
               <a:rPr lang="en-US" smtClean="0"/>
-              <a:t>7/8/19</a:t>
+              <a:t>10/27/22</a:t>
             </a:fld>
             <a:endParaRPr lang="en-US"/>
           </a:p>
@@ -15143,7 +15143,7 @@
           <a:p>
             <a:r>
               <a:rPr lang="en-US"/>
-              <a:t>© 2019, FLL Tutorials, Last Edit 7/07/2019</a:t>
+              <a:t>© 2022, FLL Tutorials</a:t>
             </a:r>
           </a:p>
         </p:txBody>
@@ -15426,9 +15426,9 @@
           <a:bodyPr/>
           <a:lstStyle/>
           <a:p>
-            <a:fld id="{4672FC15-CFB7-394C-A0C1-758B23CDAE81}" type="datetime1">
+            <a:fld id="{D925F292-DAB6-FB4A-9A59-3C50229397F1}" type="datetime1">
               <a:rPr lang="en-US" smtClean="0"/>
-              <a:t>7/8/19</a:t>
+              <a:t>10/27/22</a:t>
             </a:fld>
             <a:endParaRPr lang="en-US"/>
           </a:p>
@@ -15451,7 +15451,7 @@
           <a:p>
             <a:r>
               <a:rPr lang="en-US"/>
-              <a:t>© 2019, FLL Tutorials, Last Edit 7/07/2019</a:t>
+              <a:t>© 2022, FLL Tutorials</a:t>
             </a:r>
           </a:p>
         </p:txBody>
@@ -15693,9 +15693,9 @@
           <a:bodyPr/>
           <a:lstStyle/>
           <a:p>
-            <a:fld id="{4B6ECB46-8534-9648-9A42-E081E956B67C}" type="datetime1">
+            <a:fld id="{ABABF3FC-4B67-7F43-9076-38E9AA32A509}" type="datetime1">
               <a:rPr lang="en-US" smtClean="0"/>
-              <a:t>7/8/19</a:t>
+              <a:t>10/27/22</a:t>
             </a:fld>
             <a:endParaRPr lang="en-US"/>
           </a:p>
@@ -15718,7 +15718,7 @@
           <a:p>
             <a:r>
               <a:rPr lang="en-US"/>
-              <a:t>© 2019, FLL Tutorials, Last Edit 7/07/2019</a:t>
+              <a:t>© 2022, FLL Tutorials</a:t>
             </a:r>
           </a:p>
         </p:txBody>
@@ -15882,9 +15882,9 @@
           <a:bodyPr/>
           <a:lstStyle/>
           <a:p>
-            <a:fld id="{5DB3BB6C-457D-5443-AC62-082E45482FB8}" type="datetime1">
+            <a:fld id="{4AF69778-136B-F147-A84A-8B3BDED36827}" type="datetime1">
               <a:rPr lang="en-US" smtClean="0"/>
-              <a:t>7/8/19</a:t>
+              <a:t>10/27/22</a:t>
             </a:fld>
             <a:endParaRPr lang="en-US"/>
           </a:p>
@@ -15907,7 +15907,7 @@
           <a:p>
             <a:r>
               <a:rPr lang="en-US"/>
-              <a:t>© 2019, FLL Tutorials, Last Edit 7/07/2019</a:t>
+              <a:t>© 2022, FLL Tutorials</a:t>
             </a:r>
           </a:p>
         </p:txBody>
@@ -16083,9 +16083,9 @@
           <a:bodyPr/>
           <a:lstStyle/>
           <a:p>
-            <a:fld id="{10CBA4DD-AE7D-1D4A-BE95-B1176B3AAAE2}" type="datetime1">
+            <a:fld id="{D1EB802D-CC49-6C4F-9D50-B68239FF73AE}" type="datetime1">
               <a:rPr lang="en-US" smtClean="0"/>
-              <a:t>7/8/19</a:t>
+              <a:t>10/27/22</a:t>
             </a:fld>
             <a:endParaRPr lang="en-US"/>
           </a:p>
@@ -16108,7 +16108,7 @@
           <a:p>
             <a:r>
               <a:rPr lang="en-US"/>
-              <a:t>© 2019, FLL Tutorials, Last Edit 7/07/2019</a:t>
+              <a:t>© 2022, FLL Tutorials</a:t>
             </a:r>
           </a:p>
         </p:txBody>
@@ -16254,9 +16254,9 @@
           <a:bodyPr/>
           <a:lstStyle/>
           <a:p>
-            <a:fld id="{F07781E8-5D36-224C-9168-A94AB7B12C8D}" type="datetime1">
+            <a:fld id="{879DD0B4-1627-FB46-8B89-D98A12C044BA}" type="datetime1">
               <a:rPr lang="en-US" smtClean="0"/>
-              <a:t>7/8/19</a:t>
+              <a:t>10/27/22</a:t>
             </a:fld>
             <a:endParaRPr lang="en-US"/>
           </a:p>
@@ -16279,7 +16279,7 @@
           <a:p>
             <a:r>
               <a:rPr lang="en-US"/>
-              <a:t>© 2019, FLL Tutorials, Last Edit 7/07/2019</a:t>
+              <a:t>© 2022, FLL Tutorials</a:t>
             </a:r>
           </a:p>
         </p:txBody>
@@ -16502,9 +16502,9 @@
           <a:bodyPr/>
           <a:lstStyle/>
           <a:p>
-            <a:fld id="{FB7EED11-9107-D149-BEF9-0FC0B9FC7EFA}" type="datetime1">
+            <a:fld id="{E20C8E8E-4919-B043-9863-851593F93B44}" type="datetime1">
               <a:rPr lang="en-US" smtClean="0"/>
-              <a:t>7/8/19</a:t>
+              <a:t>10/27/22</a:t>
             </a:fld>
             <a:endParaRPr lang="en-US"/>
           </a:p>
@@ -16527,7 +16527,7 @@
           <a:p>
             <a:r>
               <a:rPr lang="en-US"/>
-              <a:t>© 2019, FLL Tutorials, Last Edit 7/07/2019</a:t>
+              <a:t>© 2022, FLL Tutorials</a:t>
             </a:r>
           </a:p>
         </p:txBody>
@@ -16734,9 +16734,9 @@
           <a:bodyPr/>
           <a:lstStyle/>
           <a:p>
-            <a:fld id="{CB902C8E-CC3E-FC44-B37E-2AE446DD9B71}" type="datetime1">
+            <a:fld id="{398397FF-6D92-C842-B195-EC9679B66DB0}" type="datetime1">
               <a:rPr lang="en-US" smtClean="0"/>
-              <a:t>7/8/19</a:t>
+              <a:t>10/27/22</a:t>
             </a:fld>
             <a:endParaRPr lang="en-US"/>
           </a:p>
@@ -16759,7 +16759,7 @@
           <a:p>
             <a:r>
               <a:rPr lang="en-US"/>
-              <a:t>© 2019, FLL Tutorials, Last Edit 7/07/2019</a:t>
+              <a:t>© 2022, FLL Tutorials</a:t>
             </a:r>
           </a:p>
         </p:txBody>
@@ -16854,9 +16854,9 @@
           <a:bodyPr/>
           <a:lstStyle/>
           <a:p>
-            <a:fld id="{AE393A3E-7CBD-194F-8E3D-D49245235DA8}" type="datetime1">
+            <a:fld id="{CE62DE40-2AB0-9340-82CA-59280B652943}" type="datetime1">
               <a:rPr lang="en-US" smtClean="0"/>
-              <a:t>7/8/19</a:t>
+              <a:t>10/27/22</a:t>
             </a:fld>
             <a:endParaRPr lang="en-US"/>
           </a:p>
@@ -16879,7 +16879,7 @@
           <a:p>
             <a:r>
               <a:rPr lang="en-US"/>
-              <a:t>© 2019, FLL Tutorials, Last Edit 7/07/2019</a:t>
+              <a:t>© 2022, FLL Tutorials</a:t>
             </a:r>
           </a:p>
         </p:txBody>
@@ -17221,9 +17221,9 @@
           <a:bodyPr/>
           <a:lstStyle/>
           <a:p>
-            <a:fld id="{1D0F4D54-CF71-5149-A0C0-AF0AED0108AB}" type="datetime1">
+            <a:fld id="{3D4BA8DE-4CDD-D048-A5B2-46F8A6728689}" type="datetime1">
               <a:rPr lang="en-US" smtClean="0"/>
-              <a:t>7/8/19</a:t>
+              <a:t>10/27/22</a:t>
             </a:fld>
             <a:endParaRPr lang="en-US"/>
           </a:p>
@@ -17246,7 +17246,7 @@
           <a:p>
             <a:r>
               <a:rPr lang="en-US"/>
-              <a:t>© 2019, FLL Tutorials, Last Edit 7/07/2019</a:t>
+              <a:t>© 2022, FLL Tutorials</a:t>
             </a:r>
           </a:p>
         </p:txBody>
@@ -17341,9 +17341,9 @@
           <a:bodyPr/>
           <a:lstStyle/>
           <a:p>
-            <a:fld id="{5B9DA11C-AC8F-374C-92BD-416E8A839235}" type="datetime1">
+            <a:fld id="{D79CFFAD-0C9E-294B-91D0-05EEB02660D4}" type="datetime1">
               <a:rPr lang="en-US" smtClean="0"/>
-              <a:t>7/8/19</a:t>
+              <a:t>10/27/22</a:t>
             </a:fld>
             <a:endParaRPr lang="en-US"/>
           </a:p>
@@ -17366,7 +17366,7 @@
           <a:p>
             <a:r>
               <a:rPr lang="en-US"/>
-              <a:t>© 2019, FLL Tutorials, Last Edit 7/07/2019</a:t>
+              <a:t>© 2022, FLL Tutorials</a:t>
             </a:r>
           </a:p>
         </p:txBody>
@@ -17439,9 +17439,9 @@
           <a:bodyPr/>
           <a:lstStyle/>
           <a:p>
-            <a:fld id="{535BDB56-85B4-E549-91E6-E656CB9265F4}" type="datetime1">
+            <a:fld id="{0931B038-DF1D-C34B-8203-DA4C865391C9}" type="datetime1">
               <a:rPr lang="en-US" smtClean="0"/>
-              <a:t>7/8/19</a:t>
+              <a:t>10/27/22</a:t>
             </a:fld>
             <a:endParaRPr lang="en-US"/>
           </a:p>
@@ -17464,7 +17464,7 @@
           <a:p>
             <a:r>
               <a:rPr lang="en-US"/>
-              <a:t>© 2019, FLL Tutorials, Last Edit 7/07/2019</a:t>
+              <a:t>© 2022, FLL Tutorials</a:t>
             </a:r>
           </a:p>
         </p:txBody>
@@ -17717,9 +17717,9 @@
           <a:bodyPr/>
           <a:lstStyle/>
           <a:p>
-            <a:fld id="{03636ACA-3F56-0044-9217-2FB382747090}" type="datetime1">
+            <a:fld id="{358585B3-DC8E-1F4A-AE25-1AAE603AC5F0}" type="datetime1">
               <a:rPr lang="en-US" smtClean="0"/>
-              <a:t>7/8/19</a:t>
+              <a:t>10/27/22</a:t>
             </a:fld>
             <a:endParaRPr lang="en-US"/>
           </a:p>
@@ -17742,7 +17742,7 @@
           <a:p>
             <a:r>
               <a:rPr lang="en-US"/>
-              <a:t>© 2019, FLL Tutorials, Last Edit 7/07/2019</a:t>
+              <a:t>© 2022, FLL Tutorials</a:t>
             </a:r>
           </a:p>
         </p:txBody>
@@ -17975,9 +17975,9 @@
           <a:bodyPr/>
           <a:lstStyle/>
           <a:p>
-            <a:fld id="{DC92110A-FA10-3147-BEB2-E15EFE663A05}" type="datetime1">
+            <a:fld id="{61238ECB-AF92-8E49-B5E6-34DB502EF77B}" type="datetime1">
               <a:rPr lang="en-US" smtClean="0"/>
-              <a:t>7/8/19</a:t>
+              <a:t>10/27/22</a:t>
             </a:fld>
             <a:endParaRPr lang="en-US"/>
           </a:p>
@@ -18000,7 +18000,7 @@
           <a:p>
             <a:r>
               <a:rPr lang="en-US"/>
-              <a:t>© 2019, FLL Tutorials, Last Edit 7/07/2019</a:t>
+              <a:t>© 2022, FLL Tutorials</a:t>
             </a:r>
           </a:p>
         </p:txBody>
@@ -18146,9 +18146,9 @@
           <a:bodyPr/>
           <a:lstStyle/>
           <a:p>
-            <a:fld id="{F3CCF85D-0050-504E-A834-0BA459F309F9}" type="datetime1">
+            <a:fld id="{11B7EBEB-194B-964F-9B15-0ABECDD4A489}" type="datetime1">
               <a:rPr lang="en-US" smtClean="0"/>
-              <a:t>7/8/19</a:t>
+              <a:t>10/27/22</a:t>
             </a:fld>
             <a:endParaRPr lang="en-US"/>
           </a:p>
@@ -18171,7 +18171,7 @@
           <a:p>
             <a:r>
               <a:rPr lang="en-US"/>
-              <a:t>© 2019, FLL Tutorials, Last Edit 7/07/2019</a:t>
+              <a:t>© 2022, FLL Tutorials</a:t>
             </a:r>
           </a:p>
         </p:txBody>
@@ -18327,9 +18327,9 @@
           <a:bodyPr/>
           <a:lstStyle/>
           <a:p>
-            <a:fld id="{120AA003-DBC8-5442-ACA9-B1A9B07C1341}" type="datetime1">
+            <a:fld id="{61C7AF60-0323-9348-A627-F1F6CD9BE82E}" type="datetime1">
               <a:rPr lang="en-US" smtClean="0"/>
-              <a:t>7/8/19</a:t>
+              <a:t>10/27/22</a:t>
             </a:fld>
             <a:endParaRPr lang="en-US"/>
           </a:p>
@@ -18352,7 +18352,7 @@
           <a:p>
             <a:r>
               <a:rPr lang="en-US"/>
-              <a:t>© 2019, FLL Tutorials, Last Edit 7/07/2019</a:t>
+              <a:t>© 2022, FLL Tutorials</a:t>
             </a:r>
           </a:p>
         </p:txBody>
@@ -18644,9 +18644,9 @@
             </a:lvl1pPr>
           </a:lstStyle>
           <a:p>
-            <a:fld id="{7F9B3267-D982-7047-A745-D92DB669F94F}" type="datetime1">
+            <a:fld id="{60B94791-B359-0A44-82D5-91764EE5778F}" type="datetime1">
               <a:rPr lang="en-US" smtClean="0"/>
-              <a:t>7/8/19</a:t>
+              <a:t>10/27/22</a:t>
             </a:fld>
             <a:endParaRPr lang="en-US"/>
           </a:p>
@@ -18688,7 +18688,7 @@
           <a:p>
             <a:r>
               <a:rPr lang="en-US"/>
-              <a:t>© 2019, FLL Tutorials, Last Edit 7/07/2019</a:t>
+              <a:t>© 2022, FLL Tutorials</a:t>
             </a:r>
           </a:p>
         </p:txBody>
@@ -18977,9 +18977,9 @@
             </a:lvl1pPr>
           </a:lstStyle>
           <a:p>
-            <a:fld id="{3CFD5580-29E4-A64E-A088-D3EA9BE3B42D}" type="datetime1">
+            <a:fld id="{248B0223-235E-8B40-A554-D465D0B6B5B3}" type="datetime1">
               <a:rPr lang="en-US" smtClean="0"/>
-              <a:t>7/8/19</a:t>
+              <a:t>10/27/22</a:t>
             </a:fld>
             <a:endParaRPr lang="en-US"/>
           </a:p>
@@ -19024,7 +19024,7 @@
           <a:p>
             <a:r>
               <a:rPr lang="en-US"/>
-              <a:t>© 2019, FLL Tutorials, Last Edit 7/07/2019</a:t>
+              <a:t>© 2022, FLL Tutorials</a:t>
             </a:r>
           </a:p>
         </p:txBody>
@@ -19431,7 +19431,7 @@
             <a:fld id="{B61BEF0D-F0BB-DE4B-95CE-6DB70DBA9567}" type="datetimeFigureOut">
               <a:rPr lang="en-US" smtClean="0"/>
               <a:pPr/>
-              <a:t>7/8/19</a:t>
+              <a:t>10/27/22</a:t>
             </a:fld>
             <a:endParaRPr lang="en-US" dirty="0"/>
           </a:p>
@@ -19747,9 +19747,9 @@
           <a:bodyPr/>
           <a:lstStyle/>
           <a:p>
-            <a:fld id="{08DC6975-3532-4C45-A3EA-9E1C1EAA4F73}" type="datetime1">
+            <a:fld id="{64B6B60E-3D12-F24E-A4FC-C2772A18AAC7}" type="datetime1">
               <a:rPr lang="en-US" smtClean="0"/>
-              <a:t>7/8/19</a:t>
+              <a:t>10/27/22</a:t>
             </a:fld>
             <a:endParaRPr lang="en-US"/>
           </a:p>
@@ -19772,7 +19772,7 @@
           <a:p>
             <a:r>
               <a:rPr lang="en-US"/>
-              <a:t>© 2019, FLL Tutorials, Last Edit 7/07/2019</a:t>
+              <a:t>© 2022, FLL Tutorials</a:t>
             </a:r>
           </a:p>
         </p:txBody>
@@ -20033,9 +20033,9 @@
           <a:bodyPr/>
           <a:lstStyle/>
           <a:p>
-            <a:fld id="{3905AB6B-906C-C247-BE12-09D04A25B82B}" type="datetime1">
+            <a:fld id="{90E58177-767C-994E-AAC2-8AA293CDAF94}" type="datetime1">
               <a:rPr lang="en-US" smtClean="0"/>
-              <a:t>7/8/19</a:t>
+              <a:t>10/27/22</a:t>
             </a:fld>
             <a:endParaRPr lang="en-US"/>
           </a:p>
@@ -20066,7 +20066,7 @@
           <a:p>
             <a:r>
               <a:rPr lang="en-US"/>
-              <a:t>© 2019, FLL Tutorials, Last Edit 7/07/2019</a:t>
+              <a:t>© 2022, FLL Tutorials</a:t>
             </a:r>
           </a:p>
         </p:txBody>
@@ -20481,9 +20481,9 @@
           <a:bodyPr/>
           <a:lstStyle/>
           <a:p>
-            <a:fld id="{B2ADF098-3144-F645-B9CF-E5E0EF488EA8}" type="datetime1">
+            <a:fld id="{DB79F894-9209-A440-AD8D-FBEA72928294}" type="datetime1">
               <a:rPr lang="en-US" smtClean="0"/>
-              <a:t>7/8/19</a:t>
+              <a:t>10/27/22</a:t>
             </a:fld>
             <a:endParaRPr lang="en-US"/>
           </a:p>
@@ -20514,7 +20514,7 @@
           <a:p>
             <a:r>
               <a:rPr lang="en-US"/>
-              <a:t>© 2019, FLL Tutorials, Last Edit 7/07/2019</a:t>
+              <a:t>© 2022, FLL Tutorials</a:t>
             </a:r>
           </a:p>
         </p:txBody>
@@ -20665,9 +20665,9 @@
           <a:bodyPr/>
           <a:lstStyle/>
           <a:p>
-            <a:fld id="{87C5FA73-B04E-1849-B8B6-9D9620316E3C}" type="datetime1">
+            <a:fld id="{05FF529D-15A0-8745-9D2C-768BBFA239C7}" type="datetime1">
               <a:rPr lang="en-US" smtClean="0"/>
-              <a:t>7/8/19</a:t>
+              <a:t>10/27/22</a:t>
             </a:fld>
             <a:endParaRPr lang="en-US"/>
           </a:p>
@@ -20698,7 +20698,7 @@
           <a:p>
             <a:r>
               <a:rPr lang="en-US"/>
-              <a:t>© 2019, FLL Tutorials, Last Edit 7/07/2019</a:t>
+              <a:t>© 2022, FLL Tutorials</a:t>
             </a:r>
           </a:p>
         </p:txBody>
@@ -20787,9 +20787,9 @@
           <a:bodyPr/>
           <a:lstStyle/>
           <a:p>
-            <a:fld id="{9B54761A-DD39-CE42-B148-D6167DAA9338}" type="datetime1">
+            <a:fld id="{570558FC-61AD-5F43-B268-C9F819A3A62E}" type="datetime1">
               <a:rPr lang="en-US" smtClean="0"/>
-              <a:t>7/8/19</a:t>
+              <a:t>10/27/22</a:t>
             </a:fld>
             <a:endParaRPr lang="en-US"/>
           </a:p>
@@ -20820,7 +20820,7 @@
           <a:p>
             <a:r>
               <a:rPr lang="en-US"/>
-              <a:t>© 2019, FLL Tutorials, Last Edit 7/07/2019</a:t>
+              <a:t>© 2022, FLL Tutorials</a:t>
             </a:r>
           </a:p>
         </p:txBody>
@@ -21192,9 +21192,9 @@
             </a:lvl1pPr>
           </a:lstStyle>
           <a:p>
-            <a:fld id="{FB0ED0F9-08C9-3149-9359-D28263F42438}" type="datetime1">
+            <a:fld id="{04E1F943-A4FD-0146-AEF4-3F997E89295B}" type="datetime1">
               <a:rPr lang="en-US" smtClean="0"/>
-              <a:t>7/8/19</a:t>
+              <a:t>10/27/22</a:t>
             </a:fld>
             <a:endParaRPr lang="en-US"/>
           </a:p>
@@ -21236,7 +21236,7 @@
           <a:p>
             <a:r>
               <a:rPr lang="en-US"/>
-              <a:t>© 2019, FLL Tutorials, Last Edit 7/07/2019</a:t>
+              <a:t>© 2022, FLL Tutorials</a:t>
             </a:r>
           </a:p>
         </p:txBody>
@@ -21508,9 +21508,9 @@
           <a:bodyPr/>
           <a:lstStyle/>
           <a:p>
-            <a:fld id="{7929E742-9EDB-CA4A-8DA0-69C0F9D95AE1}" type="datetime1">
+            <a:fld id="{A423B662-A076-7F45-A604-C2A22657A7A6}" type="datetime1">
               <a:rPr lang="en-US" smtClean="0"/>
-              <a:t>7/8/19</a:t>
+              <a:t>10/27/22</a:t>
             </a:fld>
             <a:endParaRPr lang="en-US"/>
           </a:p>
@@ -21541,7 +21541,7 @@
           <a:p>
             <a:r>
               <a:rPr lang="en-US"/>
-              <a:t>© 2019, FLL Tutorials, Last Edit 7/07/2019</a:t>
+              <a:t>© 2022, FLL Tutorials</a:t>
             </a:r>
           </a:p>
         </p:txBody>
@@ -21760,9 +21760,9 @@
           <a:bodyPr/>
           <a:lstStyle/>
           <a:p>
-            <a:fld id="{2B3EAC52-A15A-FD48-9F14-A18D34090B9C}" type="datetime1">
+            <a:fld id="{D4CC9115-2E68-BC43-B14A-5BCDAA014518}" type="datetime1">
               <a:rPr lang="en-US" smtClean="0"/>
-              <a:t>7/8/19</a:t>
+              <a:t>10/27/22</a:t>
             </a:fld>
             <a:endParaRPr lang="en-US"/>
           </a:p>
@@ -21793,7 +21793,7 @@
           <a:p>
             <a:r>
               <a:rPr lang="en-US"/>
-              <a:t>© 2019, FLL Tutorials, Last Edit 7/07/2019</a:t>
+              <a:t>© 2022, FLL Tutorials</a:t>
             </a:r>
           </a:p>
         </p:txBody>
@@ -22017,9 +22017,9 @@
             </a:lvl1pPr>
           </a:lstStyle>
           <a:p>
-            <a:fld id="{9E430911-6ACA-DC47-A732-258032E8AB3D}" type="datetime1">
+            <a:fld id="{43439239-7B78-FE48-9278-E072C605C61A}" type="datetime1">
               <a:rPr lang="en-US" smtClean="0"/>
-              <a:t>7/8/19</a:t>
+              <a:t>10/27/22</a:t>
             </a:fld>
             <a:endParaRPr lang="en-US"/>
           </a:p>
@@ -22050,7 +22050,7 @@
           <a:p>
             <a:r>
               <a:rPr lang="en-US"/>
-              <a:t>© 2019, FLL Tutorials, Last Edit 7/07/2019</a:t>
+              <a:t>© 2022, FLL Tutorials</a:t>
             </a:r>
           </a:p>
         </p:txBody>
@@ -22294,9 +22294,9 @@
           <a:bodyPr/>
           <a:lstStyle/>
           <a:p>
-            <a:fld id="{A63F8EA5-472F-CD46-B6CF-67E90D14AE2D}" type="datetime1">
+            <a:fld id="{E8823077-E88D-794E-8ED9-85D4CF9B09E5}" type="datetime1">
               <a:rPr lang="en-US" smtClean="0"/>
-              <a:t>7/8/19</a:t>
+              <a:t>10/27/22</a:t>
             </a:fld>
             <a:endParaRPr lang="en-US"/>
           </a:p>
@@ -22319,7 +22319,7 @@
           <a:p>
             <a:r>
               <a:rPr lang="en-US"/>
-              <a:t>© 2019, FLL Tutorials, Last Edit 7/07/2019</a:t>
+              <a:t>© 2022, FLL Tutorials</a:t>
             </a:r>
           </a:p>
         </p:txBody>
@@ -22594,9 +22594,9 @@
           <a:bodyPr/>
           <a:lstStyle/>
           <a:p>
-            <a:fld id="{5EC5B91D-DF00-C54B-B065-EA8595DB2DC9}" type="datetime1">
+            <a:fld id="{A05DEA20-C416-1D46-B12A-206F8BF2BA09}" type="datetime1">
               <a:rPr lang="en-US" smtClean="0"/>
-              <a:t>7/8/19</a:t>
+              <a:t>10/27/22</a:t>
             </a:fld>
             <a:endParaRPr lang="en-US"/>
           </a:p>
@@ -22619,7 +22619,7 @@
           <a:p>
             <a:r>
               <a:rPr lang="en-US"/>
-              <a:t>© 2019, FLL Tutorials, Last Edit 7/07/2019</a:t>
+              <a:t>© 2022, FLL Tutorials</a:t>
             </a:r>
           </a:p>
         </p:txBody>
@@ -22895,9 +22895,9 @@
             </a:lvl1pPr>
           </a:lstStyle>
           <a:p>
-            <a:fld id="{21991DDA-CA16-6C4B-95DE-1AAF3B440C18}" type="datetime1">
+            <a:fld id="{36F267CA-E88D-F141-A66A-28F1D17EFB81}" type="datetime1">
               <a:rPr lang="en-US" smtClean="0"/>
-              <a:t>7/8/19</a:t>
+              <a:t>10/27/22</a:t>
             </a:fld>
             <a:endParaRPr lang="en-US"/>
           </a:p>
@@ -22936,7 +22936,7 @@
           <a:p>
             <a:r>
               <a:rPr lang="en-US"/>
-              <a:t>© 2019, FLL Tutorials, Last Edit 7/07/2019</a:t>
+              <a:t>© 2022, FLL Tutorials</a:t>
             </a:r>
           </a:p>
         </p:txBody>
@@ -23847,9 +23847,9 @@
             </a:lvl1pPr>
           </a:lstStyle>
           <a:p>
-            <a:fld id="{BFB69B2C-F3EB-AE46-B3E1-D27FBFA0F523}" type="datetime1">
+            <a:fld id="{0BE6EE9B-D66B-7149-8775-B57DA9BC241A}" type="datetime1">
               <a:rPr lang="en-US" smtClean="0"/>
-              <a:t>7/8/19</a:t>
+              <a:t>10/27/22</a:t>
             </a:fld>
             <a:endParaRPr lang="en-US"/>
           </a:p>
@@ -23888,7 +23888,7 @@
           <a:p>
             <a:r>
               <a:rPr lang="en-US"/>
-              <a:t>© 2019, FLL Tutorials, Last Edit 7/07/2019</a:t>
+              <a:t>© 2022, FLL Tutorials</a:t>
             </a:r>
           </a:p>
         </p:txBody>
@@ -24905,9 +24905,9 @@
             </a:lvl1pPr>
           </a:lstStyle>
           <a:p>
-            <a:fld id="{54B17B2B-F7AF-6148-A6F7-D4A86CA97712}" type="datetime1">
+            <a:fld id="{92BDC832-D720-3A4A-A2CD-209176E0FF6A}" type="datetime1">
               <a:rPr lang="en-US" smtClean="0"/>
-              <a:t>7/8/19</a:t>
+              <a:t>10/27/22</a:t>
             </a:fld>
             <a:endParaRPr lang="en-US"/>
           </a:p>
@@ -24948,7 +24948,7 @@
           <a:p>
             <a:r>
               <a:rPr lang="en-US"/>
-              <a:t>© 2019, FLL Tutorials, Last Edit 7/07/2019</a:t>
+              <a:t>© 2022, FLL Tutorials</a:t>
             </a:r>
           </a:p>
         </p:txBody>
@@ -25447,9 +25447,9 @@
             </a:lvl1pPr>
           </a:lstStyle>
           <a:p>
-            <a:fld id="{6C2D3D66-6C3B-C847-8F67-866BB12F3A21}" type="datetime1">
+            <a:fld id="{1F98AC2B-095E-9E4D-B113-2D59EF8FF9BA}" type="datetime1">
               <a:rPr lang="en-US" smtClean="0"/>
-              <a:t>7/8/19</a:t>
+              <a:t>10/27/22</a:t>
             </a:fld>
             <a:endParaRPr lang="en-US"/>
           </a:p>
@@ -25488,7 +25488,7 @@
           <a:p>
             <a:r>
               <a:rPr lang="en-US"/>
-              <a:t>© 2019, FLL Tutorials, Last Edit 7/07/2019</a:t>
+              <a:t>© 2022, FLL Tutorials</a:t>
             </a:r>
           </a:p>
         </p:txBody>
@@ -26816,9 +26816,9 @@
             </a:lvl1pPr>
           </a:lstStyle>
           <a:p>
-            <a:fld id="{FBD5703C-70B9-974A-BF06-67399F68DE4B}" type="datetime1">
+            <a:fld id="{AF70DD7C-9FE2-204B-AFCE-34B12395B286}" type="datetime1">
               <a:rPr lang="en-US" smtClean="0"/>
-              <a:t>7/8/19</a:t>
+              <a:t>10/27/22</a:t>
             </a:fld>
             <a:endParaRPr lang="en-US"/>
           </a:p>
@@ -26857,7 +26857,7 @@
           <a:p>
             <a:r>
               <a:rPr lang="en-US"/>
-              <a:t>© 2019, FLL Tutorials, Last Edit 7/07/2019</a:t>
+              <a:t>© 2022, FLL Tutorials</a:t>
             </a:r>
           </a:p>
         </p:txBody>
@@ -27894,9 +27894,9 @@
             </a:lvl1pPr>
           </a:lstStyle>
           <a:p>
-            <a:fld id="{1B244068-7D39-D34E-81AE-BD7C5DE615D1}" type="datetime1">
+            <a:fld id="{1C636EBF-BA36-4F45-8C51-CFBFFCA7F30B}" type="datetime1">
               <a:rPr lang="en-US" smtClean="0"/>
-              <a:t>7/8/19</a:t>
+              <a:t>10/27/22</a:t>
             </a:fld>
             <a:endParaRPr lang="en-US"/>
           </a:p>
@@ -27937,7 +27937,7 @@
           <a:p>
             <a:r>
               <a:rPr lang="en-US"/>
-              <a:t>© 2019, FLL Tutorials, Last Edit 7/07/2019</a:t>
+              <a:t>© 2022, FLL Tutorials</a:t>
             </a:r>
           </a:p>
         </p:txBody>
@@ -28556,9 +28556,9 @@
             </a:lvl1pPr>
           </a:lstStyle>
           <a:p>
-            <a:fld id="{A6EF2F02-87F5-924F-8601-0F1003E93DFF}" type="datetime1">
+            <a:fld id="{D3EEABAF-7B2C-7748-8BC1-83B06CC20A57}" type="datetime1">
               <a:rPr lang="en-US" smtClean="0"/>
-              <a:t>7/8/19</a:t>
+              <a:t>10/27/22</a:t>
             </a:fld>
             <a:endParaRPr lang="en-US"/>
           </a:p>
@@ -28606,7 +28606,7 @@
           <a:p>
             <a:r>
               <a:rPr lang="en-US"/>
-              <a:t>© 2019, FLL Tutorials, Last Edit 7/07/2019</a:t>
+              <a:t>© 2022, FLL Tutorials</a:t>
             </a:r>
           </a:p>
         </p:txBody>
@@ -29199,13 +29199,13 @@
         </p:spPr>
         <p:txBody>
           <a:bodyPr>
-            <a:normAutofit fontScale="70000" lnSpcReduction="20000"/>
+            <a:normAutofit fontScale="62500" lnSpcReduction="20000"/>
           </a:bodyPr>
           <a:lstStyle/>
           <a:p>
             <a:r>
               <a:rPr lang="en-US" dirty="0"/>
-              <a:t>Some regions are using a consolidated judging system</a:t>
+              <a:t>All regions in FIRST LEGO League should have moved to the 30-minute judging format</a:t>
             </a:r>
           </a:p>
           <a:p>
@@ -29218,7 +29218,7 @@
             <a:pPr marL="305435" indent="-305435"/>
             <a:r>
               <a:rPr lang="en-US" dirty="0"/>
-              <a:t>Your team will have a 20-30 minute single judging slot that covers Robot Design, Project, and Core Values</a:t>
+              <a:t>Your team will have a 30-minute single judging slot that covers Robot Design, Project, and Core Values</a:t>
             </a:r>
           </a:p>
         </p:txBody>
@@ -29246,7 +29246,7 @@
           <a:p>
             <a:r>
               <a:rPr lang="en-US"/>
-              <a:t>© 2019, FLL Tutorials, Last Edit 7/07/2019</a:t>
+              <a:t>© 2022, FLL Tutorials</a:t>
             </a:r>
           </a:p>
         </p:txBody>
@@ -29376,102 +29376,6 @@
       </p:sp>
       <p:sp>
         <p:nvSpPr>
-          <p:cNvPr id="3" name="Content Placeholder 2">
-            <a:extLst>
-              <a:ext uri="{FF2B5EF4-FFF2-40B4-BE49-F238E27FC236}">
-                <a16:creationId xmlns:a16="http://schemas.microsoft.com/office/drawing/2014/main" id="{D3F58FDF-6F79-C54C-9249-874EC9565863}"/>
-              </a:ext>
-            </a:extLst>
-          </p:cNvPr>
-          <p:cNvSpPr>
-            <a:spLocks noGrp="1"/>
-          </p:cNvSpPr>
-          <p:nvPr>
-            <p:ph idx="1"/>
-          </p:nvPr>
-        </p:nvSpPr>
-        <p:spPr>
-          <a:xfrm>
-            <a:off x="448092" y="1505584"/>
-            <a:ext cx="5195963" cy="2546754"/>
-          </a:xfrm>
-        </p:spPr>
-        <p:txBody>
-          <a:bodyPr>
-            <a:noAutofit/>
-          </a:bodyPr>
-          <a:lstStyle/>
-          <a:p>
-            <a:r>
-              <a:rPr lang="en-US" sz="2200" dirty="0"/>
-              <a:t>Sample</a:t>
-            </a:r>
-            <a:r>
-              <a:rPr lang="en-US" sz="2200" i="1" dirty="0"/>
-              <a:t>*</a:t>
-            </a:r>
-            <a:r>
-              <a:rPr lang="en-US" sz="2200" dirty="0"/>
-              <a:t> 20-min judging schedule:</a:t>
-            </a:r>
-          </a:p>
-          <a:p>
-            <a:pPr lvl="1"/>
-            <a:r>
-              <a:rPr lang="en-US" sz="2200" dirty="0"/>
-              <a:t>5 minute </a:t>
-            </a:r>
-            <a:r>
-              <a:rPr lang="en-US" sz="2200" dirty="0">
-                <a:solidFill>
-                  <a:srgbClr val="FF0000"/>
-                </a:solidFill>
-              </a:rPr>
-              <a:t>Project</a:t>
-            </a:r>
-            <a:r>
-              <a:rPr lang="en-US" sz="2200" dirty="0"/>
-              <a:t> presentation</a:t>
-            </a:r>
-          </a:p>
-          <a:p>
-            <a:pPr lvl="1"/>
-            <a:r>
-              <a:rPr lang="en-US" sz="2200" dirty="0"/>
-              <a:t>2 minutes questions about the Project</a:t>
-            </a:r>
-          </a:p>
-          <a:p>
-            <a:pPr lvl="1"/>
-            <a:r>
-              <a:rPr lang="en-US" sz="2200" dirty="0"/>
-              <a:t>5 minute </a:t>
-            </a:r>
-            <a:r>
-              <a:rPr lang="en-US" sz="2200" dirty="0">
-                <a:solidFill>
-                  <a:srgbClr val="FF0000"/>
-                </a:solidFill>
-              </a:rPr>
-              <a:t>Robot Design </a:t>
-            </a:r>
-            <a:r>
-              <a:rPr lang="en-US" sz="2200" dirty="0">
-                <a:solidFill>
-                  <a:schemeClr val="tx1"/>
-                </a:solidFill>
-              </a:rPr>
-              <a:t>judging. No game table will be in the room.  You are allowed 2mins for a prepared presentation if you want to. </a:t>
-            </a:r>
-            <a:r>
-              <a:rPr lang="en-US" sz="2200" i="1" dirty="0"/>
-              <a:t>with your Tournament Director.</a:t>
-            </a:r>
-          </a:p>
-        </p:txBody>
-      </p:sp>
-      <p:sp>
-        <p:nvSpPr>
           <p:cNvPr id="4" name="Footer Placeholder 3">
             <a:extLst>
               <a:ext uri="{FF2B5EF4-FFF2-40B4-BE49-F238E27FC236}">
@@ -29492,8 +29396,8 @@
           <a:lstStyle/>
           <a:p>
             <a:r>
-              <a:rPr lang="en-US"/>
-              <a:t>© 2019, FLL Tutorials, Last Edit 7/07/2019</a:t>
+              <a:rPr lang="en-US" dirty="0"/>
+              <a:t>© 2022, FLL Tutorials</a:t>
             </a:r>
           </a:p>
         </p:txBody>
@@ -29529,17 +29433,19 @@
       </p:sp>
       <p:pic>
         <p:nvPicPr>
-          <p:cNvPr id="7" name="Picture 6">
+          <p:cNvPr id="13" name="Content Placeholder 12" descr="Chart&#10;&#10;Description automatically generated with low confidence">
             <a:extLst>
               <a:ext uri="{FF2B5EF4-FFF2-40B4-BE49-F238E27FC236}">
-                <a16:creationId xmlns:a16="http://schemas.microsoft.com/office/drawing/2014/main" id="{1BBF49CD-FBE4-E44D-A302-6BFBBC54F298}"/>
+                <a16:creationId xmlns:a16="http://schemas.microsoft.com/office/drawing/2014/main" id="{C4E0A2B5-6E04-0E5B-7E79-DFD845D2BF6A}"/>
               </a:ext>
             </a:extLst>
           </p:cNvPr>
           <p:cNvPicPr>
-            <a:picLocks noChangeAspect="1"/>
+            <a:picLocks noGrp="1" noChangeAspect="1"/>
           </p:cNvPicPr>
-          <p:nvPr/>
+          <p:nvPr>
+            <p:ph idx="1"/>
+          </p:nvPr>
         </p:nvPicPr>
         <p:blipFill>
           <a:blip r:embed="rId2">
@@ -29555,275 +29461,17 @@
         </p:blipFill>
         <p:spPr>
           <a:xfrm>
-            <a:off x="5644054" y="1919231"/>
-            <a:ext cx="3051853" cy="1757867"/>
+            <a:off x="325537" y="1573410"/>
+            <a:ext cx="3587879" cy="4814506"/>
           </a:xfrm>
-          <a:prstGeom prst="rect">
-            <a:avLst/>
-          </a:prstGeom>
         </p:spPr>
       </p:pic>
       <p:sp>
         <p:nvSpPr>
-          <p:cNvPr id="8" name="Content Placeholder 2">
+          <p:cNvPr id="14" name="TextBox 13">
             <a:extLst>
               <a:ext uri="{FF2B5EF4-FFF2-40B4-BE49-F238E27FC236}">
-                <a16:creationId xmlns:a16="http://schemas.microsoft.com/office/drawing/2014/main" id="{69D29611-ED47-D648-9282-C492679B9C0F}"/>
-              </a:ext>
-            </a:extLst>
-          </p:cNvPr>
-          <p:cNvSpPr txBox="1">
-            <a:spLocks/>
-          </p:cNvSpPr>
-          <p:nvPr/>
-        </p:nvSpPr>
-        <p:spPr>
-          <a:xfrm>
-            <a:off x="307268" y="4692651"/>
-            <a:ext cx="8529463" cy="2330262"/>
-          </a:xfrm>
-          <a:prstGeom prst="rect">
-            <a:avLst/>
-          </a:prstGeom>
-        </p:spPr>
-        <p:txBody>
-          <a:bodyPr vert="horz" lIns="91440" tIns="45720" rIns="91440" bIns="45720" rtlCol="0" anchor="t">
-            <a:normAutofit/>
-          </a:bodyPr>
-          <a:lstStyle>
-            <a:lvl1pPr marL="306000" indent="-306000" algn="l" defTabSz="457200" rtl="0" eaLnBrk="1" latinLnBrk="0" hangingPunct="1">
-              <a:spcBef>
-                <a:spcPct val="20000"/>
-              </a:spcBef>
-              <a:spcAft>
-                <a:spcPts val="600"/>
-              </a:spcAft>
-              <a:buClr>
-                <a:schemeClr val="accent2"/>
-              </a:buClr>
-              <a:buSzPct val="92000"/>
-              <a:buFont typeface="Wingdings 2" panose="05020102010507070707" pitchFamily="18" charset="2"/>
-              <a:buChar char=""/>
-              <a:defRPr sz="3600" kern="1200">
-                <a:solidFill>
-                  <a:schemeClr val="tx2"/>
-                </a:solidFill>
-                <a:latin typeface="+mn-lt"/>
-                <a:ea typeface="+mn-ea"/>
-                <a:cs typeface="+mn-cs"/>
-              </a:defRPr>
-            </a:lvl1pPr>
-            <a:lvl2pPr marL="630000" indent="-306000" algn="l" defTabSz="457200" rtl="0" eaLnBrk="1" latinLnBrk="0" hangingPunct="1">
-              <a:spcBef>
-                <a:spcPct val="20000"/>
-              </a:spcBef>
-              <a:spcAft>
-                <a:spcPts val="600"/>
-              </a:spcAft>
-              <a:buClr>
-                <a:schemeClr val="accent2"/>
-              </a:buClr>
-              <a:buSzPct val="92000"/>
-              <a:buFont typeface="Wingdings 2" panose="05020102010507070707" pitchFamily="18" charset="2"/>
-              <a:buChar char=""/>
-              <a:defRPr sz="3200" kern="1200">
-                <a:solidFill>
-                  <a:schemeClr val="tx2"/>
-                </a:solidFill>
-                <a:latin typeface="+mn-lt"/>
-                <a:ea typeface="+mn-ea"/>
-                <a:cs typeface="+mn-cs"/>
-              </a:defRPr>
-            </a:lvl2pPr>
-            <a:lvl3pPr marL="900000" indent="-270000" algn="l" defTabSz="457200" rtl="0" eaLnBrk="1" latinLnBrk="0" hangingPunct="1">
-              <a:spcBef>
-                <a:spcPct val="20000"/>
-              </a:spcBef>
-              <a:spcAft>
-                <a:spcPts val="600"/>
-              </a:spcAft>
-              <a:buClr>
-                <a:schemeClr val="accent2"/>
-              </a:buClr>
-              <a:buSzPct val="92000"/>
-              <a:buFont typeface="Wingdings 2" panose="05020102010507070707" pitchFamily="18" charset="2"/>
-              <a:buChar char=""/>
-              <a:defRPr sz="2800" kern="1200">
-                <a:solidFill>
-                  <a:schemeClr val="tx2"/>
-                </a:solidFill>
-                <a:latin typeface="+mn-lt"/>
-                <a:ea typeface="+mn-ea"/>
-                <a:cs typeface="+mn-cs"/>
-              </a:defRPr>
-            </a:lvl3pPr>
-            <a:lvl4pPr marL="1242000" indent="-234000" algn="l" defTabSz="457200" rtl="0" eaLnBrk="1" latinLnBrk="0" hangingPunct="1">
-              <a:spcBef>
-                <a:spcPct val="20000"/>
-              </a:spcBef>
-              <a:spcAft>
-                <a:spcPts val="600"/>
-              </a:spcAft>
-              <a:buClr>
-                <a:schemeClr val="accent2"/>
-              </a:buClr>
-              <a:buSzPct val="92000"/>
-              <a:buFont typeface="Wingdings 2" panose="05020102010507070707" pitchFamily="18" charset="2"/>
-              <a:buChar char=""/>
-              <a:defRPr sz="2400" kern="1200">
-                <a:solidFill>
-                  <a:schemeClr val="tx2"/>
-                </a:solidFill>
-                <a:latin typeface="+mn-lt"/>
-                <a:ea typeface="+mn-ea"/>
-                <a:cs typeface="+mn-cs"/>
-              </a:defRPr>
-            </a:lvl4pPr>
-            <a:lvl5pPr marL="1602000" indent="-234000" algn="l" defTabSz="457200" rtl="0" eaLnBrk="1" latinLnBrk="0" hangingPunct="1">
-              <a:spcBef>
-                <a:spcPct val="20000"/>
-              </a:spcBef>
-              <a:spcAft>
-                <a:spcPts val="600"/>
-              </a:spcAft>
-              <a:buClr>
-                <a:schemeClr val="accent2"/>
-              </a:buClr>
-              <a:buSzPct val="92000"/>
-              <a:buFont typeface="Wingdings 2" panose="05020102010507070707" pitchFamily="18" charset="2"/>
-              <a:buChar char=""/>
-              <a:defRPr sz="2400" kern="1200">
-                <a:solidFill>
-                  <a:schemeClr val="tx2"/>
-                </a:solidFill>
-                <a:latin typeface="+mn-lt"/>
-                <a:ea typeface="+mn-ea"/>
-                <a:cs typeface="+mn-cs"/>
-              </a:defRPr>
-            </a:lvl5pPr>
-            <a:lvl6pPr marL="1900000" indent="-228600" algn="l" defTabSz="457200" rtl="0" eaLnBrk="1" latinLnBrk="0" hangingPunct="1">
-              <a:spcBef>
-                <a:spcPct val="20000"/>
-              </a:spcBef>
-              <a:spcAft>
-                <a:spcPts val="600"/>
-              </a:spcAft>
-              <a:buClr>
-                <a:schemeClr val="accent2"/>
-              </a:buClr>
-              <a:buSzPct val="92000"/>
-              <a:buFont typeface="Wingdings 2" panose="05020102010507070707" pitchFamily="18" charset="2"/>
-              <a:buChar char=""/>
-              <a:defRPr sz="1200" kern="1200">
-                <a:solidFill>
-                  <a:schemeClr val="tx2"/>
-                </a:solidFill>
-                <a:latin typeface="+mn-lt"/>
-                <a:ea typeface="+mn-ea"/>
-                <a:cs typeface="+mn-cs"/>
-              </a:defRPr>
-            </a:lvl6pPr>
-            <a:lvl7pPr marL="2200000" indent="-228600" algn="l" defTabSz="457200" rtl="0" eaLnBrk="1" latinLnBrk="0" hangingPunct="1">
-              <a:spcBef>
-                <a:spcPct val="20000"/>
-              </a:spcBef>
-              <a:spcAft>
-                <a:spcPts val="600"/>
-              </a:spcAft>
-              <a:buClr>
-                <a:schemeClr val="accent2"/>
-              </a:buClr>
-              <a:buSzPct val="92000"/>
-              <a:buFont typeface="Wingdings 2" panose="05020102010507070707" pitchFamily="18" charset="2"/>
-              <a:buChar char=""/>
-              <a:defRPr sz="1200" kern="1200">
-                <a:solidFill>
-                  <a:schemeClr val="tx2"/>
-                </a:solidFill>
-                <a:latin typeface="+mn-lt"/>
-                <a:ea typeface="+mn-ea"/>
-                <a:cs typeface="+mn-cs"/>
-              </a:defRPr>
-            </a:lvl7pPr>
-            <a:lvl8pPr marL="2500000" indent="-228600" algn="l" defTabSz="457200" rtl="0" eaLnBrk="1" latinLnBrk="0" hangingPunct="1">
-              <a:spcBef>
-                <a:spcPct val="20000"/>
-              </a:spcBef>
-              <a:spcAft>
-                <a:spcPts val="600"/>
-              </a:spcAft>
-              <a:buClr>
-                <a:schemeClr val="accent2"/>
-              </a:buClr>
-              <a:buSzPct val="92000"/>
-              <a:buFont typeface="Wingdings 2" panose="05020102010507070707" pitchFamily="18" charset="2"/>
-              <a:buChar char=""/>
-              <a:defRPr sz="1200" kern="1200">
-                <a:solidFill>
-                  <a:schemeClr val="tx2"/>
-                </a:solidFill>
-                <a:latin typeface="+mn-lt"/>
-                <a:ea typeface="+mn-ea"/>
-                <a:cs typeface="+mn-cs"/>
-              </a:defRPr>
-            </a:lvl8pPr>
-            <a:lvl9pPr marL="2800000" indent="-228600" algn="l" defTabSz="457200" rtl="0" eaLnBrk="1" latinLnBrk="0" hangingPunct="1">
-              <a:spcBef>
-                <a:spcPct val="20000"/>
-              </a:spcBef>
-              <a:spcAft>
-                <a:spcPts val="600"/>
-              </a:spcAft>
-              <a:buClr>
-                <a:schemeClr val="accent2"/>
-              </a:buClr>
-              <a:buSzPct val="92000"/>
-              <a:buFont typeface="Wingdings 2" panose="05020102010507070707" pitchFamily="18" charset="2"/>
-              <a:buChar char=""/>
-              <a:defRPr sz="1200" kern="1200">
-                <a:solidFill>
-                  <a:schemeClr val="tx2"/>
-                </a:solidFill>
-                <a:latin typeface="+mn-lt"/>
-                <a:ea typeface="+mn-ea"/>
-                <a:cs typeface="+mn-cs"/>
-              </a:defRPr>
-            </a:lvl9pPr>
-          </a:lstStyle>
-          <a:p>
-            <a:pPr lvl="1"/>
-            <a:r>
-              <a:rPr lang="en-US" sz="2200" dirty="0"/>
-              <a:t>5-minutes for </a:t>
-            </a:r>
-            <a:r>
-              <a:rPr lang="en-US" sz="2200" dirty="0">
-                <a:solidFill>
-                  <a:srgbClr val="FF0000"/>
-                </a:solidFill>
-              </a:rPr>
-              <a:t>Core Values </a:t>
-            </a:r>
-            <a:r>
-              <a:rPr lang="en-US" sz="2200" dirty="0"/>
-              <a:t>judging.  You are allowed to use 2 minutes for a Core Values poster presentation if you want to.</a:t>
-            </a:r>
-          </a:p>
-          <a:p>
-            <a:pPr lvl="1"/>
-            <a:r>
-              <a:rPr lang="en-US" sz="2200" dirty="0"/>
-              <a:t>3-minutes for judges to ask any questions they want to</a:t>
-            </a:r>
-          </a:p>
-        </p:txBody>
-      </p:sp>
-      <p:sp>
-        <p:nvSpPr>
-          <p:cNvPr id="9" name="TextBox 8">
-            <a:extLst>
-              <a:ext uri="{FF2B5EF4-FFF2-40B4-BE49-F238E27FC236}">
-                <a16:creationId xmlns:a16="http://schemas.microsoft.com/office/drawing/2014/main" id="{BA9CEDE5-D42C-434B-AD8C-87A0E401FDBD}"/>
+                <a16:creationId xmlns:a16="http://schemas.microsoft.com/office/drawing/2014/main" id="{016ECC97-AC67-E000-86E7-DAB4C40AA66F}"/>
               </a:ext>
             </a:extLst>
           </p:cNvPr>
@@ -29832,8 +29480,8 @@
         </p:nvSpPr>
         <p:spPr>
           <a:xfrm>
-            <a:off x="5534132" y="3894736"/>
-            <a:ext cx="3389402" cy="1077218"/>
+            <a:off x="4063006" y="1761893"/>
+            <a:ext cx="4507938" cy="4524315"/>
           </a:xfrm>
           <a:prstGeom prst="rect">
             <a:avLst/>
@@ -29846,47 +29494,53 @@
           </a:bodyPr>
           <a:lstStyle/>
           <a:p>
-            <a:r>
-              <a:rPr lang="en-US" sz="1600" i="1" dirty="0"/>
-              <a:t>* There may be regional variation as to how this is implemented. Always check with your Tournament Director.</a:t>
-            </a:r>
-          </a:p>
-          <a:p>
-            <a:endParaRPr lang="en-US" sz="1600" dirty="0"/>
-          </a:p>
-        </p:txBody>
-      </p:sp>
-      <p:sp>
-        <p:nvSpPr>
-          <p:cNvPr id="10" name="TextBox 9">
-            <a:extLst>
-              <a:ext uri="{FF2B5EF4-FFF2-40B4-BE49-F238E27FC236}">
-                <a16:creationId xmlns:a16="http://schemas.microsoft.com/office/drawing/2014/main" id="{94544749-93CC-D946-89B2-B1957DCA4663}"/>
-              </a:ext>
-            </a:extLst>
-          </p:cNvPr>
-          <p:cNvSpPr txBox="1"/>
-          <p:nvPr/>
-        </p:nvSpPr>
-        <p:spPr>
-          <a:xfrm>
-            <a:off x="5619185" y="3636801"/>
-            <a:ext cx="3587879" cy="261610"/>
-          </a:xfrm>
-          <a:prstGeom prst="rect">
-            <a:avLst/>
-          </a:prstGeom>
-          <a:noFill/>
-        </p:spPr>
-        <p:txBody>
-          <a:bodyPr wrap="square" rtlCol="0">
-            <a:spAutoFit/>
-          </a:bodyPr>
-          <a:lstStyle/>
-          <a:p>
-            <a:r>
-              <a:rPr lang="en-US" sz="1100" dirty="0"/>
-              <a:t>Photo Credit: Razorback Open</a:t>
+            <a:pPr marL="285750" indent="-285750">
+              <a:buFont typeface="Arial" panose="020B0604020202020204" pitchFamily="34" charset="0"/>
+              <a:buChar char="•"/>
+            </a:pPr>
+            <a:r>
+              <a:rPr lang="en-US" dirty="0"/>
+              <a:t>Students will enter the room, introduce themselves and then proceed to present their Innovation Project. </a:t>
+            </a:r>
+          </a:p>
+          <a:p>
+            <a:pPr marL="285750" indent="-285750">
+              <a:buFont typeface="Arial" panose="020B0604020202020204" pitchFamily="34" charset="0"/>
+              <a:buChar char="•"/>
+            </a:pPr>
+            <a:r>
+              <a:rPr lang="en-US" dirty="0"/>
+              <a:t> The session will then proceed according to the flowchart on the left.</a:t>
+            </a:r>
+          </a:p>
+          <a:p>
+            <a:pPr marL="285750" indent="-285750">
+              <a:buFont typeface="Arial" panose="020B0604020202020204" pitchFamily="34" charset="0"/>
+              <a:buChar char="•"/>
+            </a:pPr>
+            <a:r>
+              <a:rPr lang="en-US" dirty="0"/>
+              <a:t>A team can transition to the next presentation on their own or the judges will keep track of the time and move the conversation to the next section.</a:t>
+            </a:r>
+          </a:p>
+          <a:p>
+            <a:pPr marL="285750" indent="-285750">
+              <a:buFont typeface="Arial" panose="020B0604020202020204" pitchFamily="34" charset="0"/>
+              <a:buChar char="•"/>
+            </a:pPr>
+            <a:r>
+              <a:rPr lang="en-US" dirty="0"/>
+              <a:t>Teams give a 5 min presentation for Innovation Project and Robot Design</a:t>
+            </a:r>
+          </a:p>
+          <a:p>
+            <a:pPr marL="285750" indent="-285750">
+              <a:buFont typeface="Arial" panose="020B0604020202020204" pitchFamily="34" charset="0"/>
+              <a:buChar char="•"/>
+            </a:pPr>
+            <a:r>
+              <a:rPr lang="en-US" dirty="0"/>
+              <a:t>Core Values Reflection is a time for judges to ask questions. Core Values judges will be judging during the Team Welcome, Innovation Project and Robot Design as well</a:t>
             </a:r>
           </a:p>
         </p:txBody>
@@ -29894,7 +29548,7 @@
     </p:spTree>
     <p:extLst>
       <p:ext uri="{BB962C8B-B14F-4D97-AF65-F5344CB8AC3E}">
-        <p14:creationId xmlns:p14="http://schemas.microsoft.com/office/powerpoint/2010/main" val="1206761348"/>
+        <p14:creationId xmlns:p14="http://schemas.microsoft.com/office/powerpoint/2010/main" val="3599285533"/>
       </p:ext>
     </p:extLst>
   </p:cSld>
@@ -29944,17 +29598,74 @@
           <a:p>
             <a:r>
               <a:rPr lang="en-US" dirty="0"/>
-              <a:t>Consolidated RUBRIC</a:t>
-            </a:r>
+              <a:t>JUDGES will fill in all three rubrics</a:t>
+            </a:r>
+          </a:p>
+        </p:txBody>
+      </p:sp>
+      <p:sp>
+        <p:nvSpPr>
+          <p:cNvPr id="4" name="Footer Placeholder 3">
+            <a:extLst>
+              <a:ext uri="{FF2B5EF4-FFF2-40B4-BE49-F238E27FC236}">
+                <a16:creationId xmlns:a16="http://schemas.microsoft.com/office/drawing/2014/main" id="{8985F260-F816-1C49-9451-AE796E9E4351}"/>
+              </a:ext>
+            </a:extLst>
+          </p:cNvPr>
+          <p:cNvSpPr>
+            <a:spLocks noGrp="1"/>
+          </p:cNvSpPr>
+          <p:nvPr>
+            <p:ph type="ftr" sz="quarter" idx="11"/>
+          </p:nvPr>
+        </p:nvSpPr>
+        <p:spPr/>
+        <p:txBody>
+          <a:bodyPr/>
+          <a:lstStyle/>
+          <a:p>
+            <a:r>
+              <a:rPr lang="en-US"/>
+              <a:t>© 2022, FLL Tutorials</a:t>
+            </a:r>
+          </a:p>
+        </p:txBody>
+      </p:sp>
+      <p:sp>
+        <p:nvSpPr>
+          <p:cNvPr id="5" name="Slide Number Placeholder 4">
+            <a:extLst>
+              <a:ext uri="{FF2B5EF4-FFF2-40B4-BE49-F238E27FC236}">
+                <a16:creationId xmlns:a16="http://schemas.microsoft.com/office/drawing/2014/main" id="{298FAB25-41FF-AC4F-9082-63D8D16F7B35}"/>
+              </a:ext>
+            </a:extLst>
+          </p:cNvPr>
+          <p:cNvSpPr>
+            <a:spLocks noGrp="1"/>
+          </p:cNvSpPr>
+          <p:nvPr>
+            <p:ph type="sldNum" sz="quarter" idx="12"/>
+          </p:nvPr>
+        </p:nvSpPr>
+        <p:spPr/>
+        <p:txBody>
+          <a:bodyPr/>
+          <a:lstStyle/>
+          <a:p>
+            <a:fld id="{4DBC7FC8-25FB-FC45-8177-2B991DA6778C}" type="slidenum">
+              <a:rPr lang="en-US" smtClean="0"/>
+              <a:t>4</a:t>
+            </a:fld>
+            <a:endParaRPr lang="en-US" dirty="0"/>
           </a:p>
         </p:txBody>
       </p:sp>
       <p:pic>
         <p:nvPicPr>
-          <p:cNvPr id="7" name="Content Placeholder 6">
+          <p:cNvPr id="12" name="Content Placeholder 11" descr="Table&#10;&#10;Description automatically generated">
             <a:extLst>
               <a:ext uri="{FF2B5EF4-FFF2-40B4-BE49-F238E27FC236}">
-                <a16:creationId xmlns:a16="http://schemas.microsoft.com/office/drawing/2014/main" id="{DB6DC820-DB3E-C64C-B7E9-B0229CB8D5F1}"/>
+                <a16:creationId xmlns:a16="http://schemas.microsoft.com/office/drawing/2014/main" id="{C2F13462-131A-A920-E7CE-3CAFD004CC62}"/>
               </a:ext>
             </a:extLst>
           </p:cNvPr>
@@ -29965,7 +29676,7 @@
             <p:ph idx="1"/>
           </p:nvPr>
         </p:nvPicPr>
-        <p:blipFill rotWithShape="1">
+        <p:blipFill>
           <a:blip r:embed="rId2">
             <a:extLst>
               <a:ext uri="{28A0092B-C50C-407E-A947-70E740481C1C}">
@@ -29973,79 +29684,23 @@
               </a:ext>
             </a:extLst>
           </a:blip>
-          <a:srcRect t="66037" b="12370"/>
-          <a:stretch/>
+          <a:stretch>
+            <a:fillRect/>
+          </a:stretch>
         </p:blipFill>
         <p:spPr>
           <a:xfrm>
-            <a:off x="-6012" y="4824450"/>
-            <a:ext cx="6740093" cy="1883497"/>
+            <a:off x="355601" y="1564731"/>
+            <a:ext cx="3606214" cy="2940361"/>
           </a:xfrm>
         </p:spPr>
       </p:pic>
-      <p:sp>
-        <p:nvSpPr>
-          <p:cNvPr id="4" name="Footer Placeholder 3">
+      <p:pic>
+        <p:nvPicPr>
+          <p:cNvPr id="14" name="Picture 13" descr="Table&#10;&#10;Description automatically generated">
             <a:extLst>
               <a:ext uri="{FF2B5EF4-FFF2-40B4-BE49-F238E27FC236}">
-                <a16:creationId xmlns:a16="http://schemas.microsoft.com/office/drawing/2014/main" id="{8985F260-F816-1C49-9451-AE796E9E4351}"/>
-              </a:ext>
-            </a:extLst>
-          </p:cNvPr>
-          <p:cNvSpPr>
-            <a:spLocks noGrp="1"/>
-          </p:cNvSpPr>
-          <p:nvPr>
-            <p:ph type="ftr" sz="quarter" idx="11"/>
-          </p:nvPr>
-        </p:nvSpPr>
-        <p:spPr/>
-        <p:txBody>
-          <a:bodyPr/>
-          <a:lstStyle/>
-          <a:p>
-            <a:r>
-              <a:rPr lang="en-US"/>
-              <a:t>© 2019, FLL Tutorials, Last Edit 7/07/2019</a:t>
-            </a:r>
-          </a:p>
-        </p:txBody>
-      </p:sp>
-      <p:sp>
-        <p:nvSpPr>
-          <p:cNvPr id="5" name="Slide Number Placeholder 4">
-            <a:extLst>
-              <a:ext uri="{FF2B5EF4-FFF2-40B4-BE49-F238E27FC236}">
-                <a16:creationId xmlns:a16="http://schemas.microsoft.com/office/drawing/2014/main" id="{298FAB25-41FF-AC4F-9082-63D8D16F7B35}"/>
-              </a:ext>
-            </a:extLst>
-          </p:cNvPr>
-          <p:cNvSpPr>
-            <a:spLocks noGrp="1"/>
-          </p:cNvSpPr>
-          <p:nvPr>
-            <p:ph type="sldNum" sz="quarter" idx="12"/>
-          </p:nvPr>
-        </p:nvSpPr>
-        <p:spPr/>
-        <p:txBody>
-          <a:bodyPr/>
-          <a:lstStyle/>
-          <a:p>
-            <a:fld id="{4DBC7FC8-25FB-FC45-8177-2B991DA6778C}" type="slidenum">
-              <a:rPr lang="en-US" smtClean="0"/>
-              <a:t>4</a:t>
-            </a:fld>
-            <a:endParaRPr lang="en-US" dirty="0"/>
-          </a:p>
-        </p:txBody>
-      </p:sp>
-      <p:pic>
-        <p:nvPicPr>
-          <p:cNvPr id="9" name="Content Placeholder 6">
-            <a:extLst>
-              <a:ext uri="{FF2B5EF4-FFF2-40B4-BE49-F238E27FC236}">
-                <a16:creationId xmlns:a16="http://schemas.microsoft.com/office/drawing/2014/main" id="{587581EC-28DB-A641-BCB1-018EDF9E122E}"/>
+                <a16:creationId xmlns:a16="http://schemas.microsoft.com/office/drawing/2014/main" id="{874DA325-FB95-AB38-3FBD-D9DD35469E0B}"/>
               </a:ext>
             </a:extLst>
           </p:cNvPr>
@@ -30054,21 +29709,22 @@
           </p:cNvPicPr>
           <p:nvPr/>
         </p:nvPicPr>
-        <p:blipFill rotWithShape="1">
-          <a:blip r:embed="rId2">
+        <p:blipFill>
+          <a:blip r:embed="rId3">
             <a:extLst>
               <a:ext uri="{28A0092B-C50C-407E-A947-70E740481C1C}">
                 <a14:useLocalDpi xmlns:a14="http://schemas.microsoft.com/office/drawing/2010/main" val="0"/>
               </a:ext>
             </a:extLst>
           </a:blip>
-          <a:srcRect t="37303" b="41651"/>
-          <a:stretch/>
+          <a:stretch>
+            <a:fillRect/>
+          </a:stretch>
         </p:blipFill>
         <p:spPr>
           <a:xfrm>
-            <a:off x="2480495" y="2934972"/>
-            <a:ext cx="6740093" cy="1835716"/>
+            <a:off x="2679237" y="2506143"/>
+            <a:ext cx="3695870" cy="2940361"/>
           </a:xfrm>
           <a:prstGeom prst="rect">
             <a:avLst/>
@@ -30077,10 +29733,10 @@
       </p:pic>
       <p:pic>
         <p:nvPicPr>
-          <p:cNvPr id="10" name="Content Placeholder 6">
+          <p:cNvPr id="16" name="Picture 15" descr="Chart, bar chart&#10;&#10;Description automatically generated">
             <a:extLst>
               <a:ext uri="{FF2B5EF4-FFF2-40B4-BE49-F238E27FC236}">
-                <a16:creationId xmlns:a16="http://schemas.microsoft.com/office/drawing/2014/main" id="{AA3B6520-9F60-7C48-9C02-A786662F87BD}"/>
+                <a16:creationId xmlns:a16="http://schemas.microsoft.com/office/drawing/2014/main" id="{A1E5CE8E-0FF9-82C7-BDE1-818D94B65EE7}"/>
               </a:ext>
             </a:extLst>
           </p:cNvPr>
@@ -30089,62 +29745,28 @@
           </p:cNvPicPr>
           <p:nvPr/>
         </p:nvPicPr>
-        <p:blipFill rotWithShape="1">
-          <a:blip r:embed="rId2">
+        <p:blipFill>
+          <a:blip r:embed="rId4">
             <a:extLst>
               <a:ext uri="{28A0092B-C50C-407E-A947-70E740481C1C}">
                 <a14:useLocalDpi xmlns:a14="http://schemas.microsoft.com/office/drawing/2010/main" val="0"/>
               </a:ext>
             </a:extLst>
           </a:blip>
-          <a:srcRect t="11177" b="69792"/>
-          <a:stretch/>
+          <a:stretch>
+            <a:fillRect/>
+          </a:stretch>
         </p:blipFill>
         <p:spPr>
           <a:xfrm>
-            <a:off x="123991" y="1404633"/>
-            <a:ext cx="6882201" cy="1694974"/>
+            <a:off x="5092529" y="3842416"/>
+            <a:ext cx="3695870" cy="2545500"/>
           </a:xfrm>
           <a:prstGeom prst="rect">
             <a:avLst/>
           </a:prstGeom>
         </p:spPr>
       </p:pic>
-      <p:sp>
-        <p:nvSpPr>
-          <p:cNvPr id="11" name="TextBox 10">
-            <a:extLst>
-              <a:ext uri="{FF2B5EF4-FFF2-40B4-BE49-F238E27FC236}">
-                <a16:creationId xmlns:a16="http://schemas.microsoft.com/office/drawing/2014/main" id="{C6E838E5-4254-5C49-A329-92648678B505}"/>
-              </a:ext>
-            </a:extLst>
-          </p:cNvPr>
-          <p:cNvSpPr txBox="1"/>
-          <p:nvPr/>
-        </p:nvSpPr>
-        <p:spPr>
-          <a:xfrm>
-            <a:off x="6581276" y="5289144"/>
-            <a:ext cx="2438400" cy="954107"/>
-          </a:xfrm>
-          <a:prstGeom prst="rect">
-            <a:avLst/>
-          </a:prstGeom>
-          <a:noFill/>
-        </p:spPr>
-        <p:txBody>
-          <a:bodyPr wrap="square" rtlCol="0">
-            <a:spAutoFit/>
-          </a:bodyPr>
-          <a:lstStyle/>
-          <a:p>
-            <a:r>
-              <a:rPr lang="en-US" sz="1400" dirty="0"/>
-              <a:t>* Sample from 2018 INTO ORBIT. Make sure you have the most recent version if your region uses this rubric </a:t>
-            </a:r>
-          </a:p>
-        </p:txBody>
-      </p:sp>
     </p:spTree>
     <p:extLst>
       <p:ext uri="{BB962C8B-B14F-4D97-AF65-F5344CB8AC3E}">
@@ -30303,11 +29925,11 @@
                   <a:srgbClr val="FF0000"/>
                 </a:solidFill>
               </a:rPr>
-              <a:t>Leave a summary sheet. </a:t>
+              <a:t>Leave a summary sheet if allowed. </a:t>
             </a:r>
             <a:r>
               <a:rPr lang="en-US" sz="1800" dirty="0"/>
-              <a:t>If you want to leave documentation, you can. Include some highlights about your robot, project and core values.</a:t>
+              <a:t>If you are allowed to leave documentation, include some highlights about your robot, project and core values.</a:t>
             </a:r>
           </a:p>
         </p:txBody>
@@ -30335,7 +29957,7 @@
           <a:p>
             <a:r>
               <a:rPr lang="en-US"/>
-              <a:t>© 2019, FLL Tutorials, Last Edit 7/07/2019</a:t>
+              <a:t>© 2022, FLL Tutorials</a:t>
             </a:r>
           </a:p>
         </p:txBody>
@@ -30511,7 +30133,7 @@
         <p:spPr/>
         <p:txBody>
           <a:bodyPr>
-            <a:normAutofit fontScale="62500" lnSpcReduction="20000"/>
+            <a:normAutofit fontScale="70000" lnSpcReduction="20000"/>
           </a:bodyPr>
           <a:lstStyle/>
           <a:p>
@@ -30524,26 +30146,23 @@
             <a:pPr marL="305435" indent="-305435"/>
             <a:r>
               <a:rPr lang="en-US" dirty="0"/>
-              <a:t>Gives a chance for teams to get to know their judges in </a:t>
-            </a:r>
+              <a:t>Gives a chance for teams to get to know their judges better</a:t>
+            </a:r>
+            <a:endParaRPr lang="en-US" dirty="0">
+              <a:solidFill>
+                <a:schemeClr val="tx1"/>
+              </a:solidFill>
+            </a:endParaRPr>
+          </a:p>
+          <a:p>
+            <a:pPr marL="305435" indent="-305435"/>
             <a:r>
               <a:rPr lang="en-US" dirty="0">
                 <a:solidFill>
                   <a:schemeClr val="tx1"/>
                 </a:solidFill>
               </a:rPr>
-              <a:t>20 (or 30) mins.</a:t>
-            </a:r>
-          </a:p>
-          <a:p>
-            <a:pPr marL="305435" indent="-305435"/>
-            <a:r>
-              <a:rPr lang="en-US" dirty="0">
-                <a:solidFill>
-                  <a:schemeClr val="tx1"/>
-                </a:solidFill>
-              </a:rPr>
-              <a:t>Judges can evaluate throughout the 20 (or 30) mins; this allows judges from each core area to evaluate and ask questions. </a:t>
+              <a:t>Judges can evaluate throughout the session this allows judges from each core area to evaluate and ask questions. </a:t>
             </a:r>
             <a:endParaRPr lang="en-US" strike="sngStrike" dirty="0"/>
           </a:p>
@@ -30600,7 +30219,7 @@
           <a:p>
             <a:r>
               <a:rPr lang="en-US"/>
-              <a:t>© 2019, FLL Tutorials, Last Edit 7/07/2019</a:t>
+              <a:t>© 2022, FLL Tutorials</a:t>
             </a:r>
           </a:p>
         </p:txBody>
@@ -30786,7 +30405,7 @@
           <a:effectLst/>
           <a:extLst>
             <a:ext uri="{91240B29-F687-4f45-9708-019B960494DF}">
-              <a14:hiddenLine xmlns="" xmlns:a14="http://schemas.microsoft.com/office/drawing/2010/main" w="9525">
+              <a14:hiddenLine xmlns:a14="http://schemas.microsoft.com/office/drawing/2010/main" xmlns="" w="9525">
                 <a:solidFill>
                   <a:schemeClr val="tx1"/>
                 </a:solidFill>
@@ -30796,7 +30415,7 @@
               </a14:hiddenLine>
             </a:ext>
             <a:ext uri="{AF507438-7753-43e0-B8FC-AC1667EBCBE1}">
-              <a14:hiddenEffects xmlns="" xmlns:a14="http://schemas.microsoft.com/office/drawing/2010/main">
+              <a14:hiddenEffects xmlns:a14="http://schemas.microsoft.com/office/drawing/2010/main" xmlns="">
                 <a:effectLst>
                   <a:outerShdw dist="35921" dir="2700000" algn="ctr" rotWithShape="0">
                     <a:schemeClr val="bg2"/>
@@ -31137,7 +30756,7 @@
           <a:noFill/>
           <a:extLst>
             <a:ext uri="{909E8E84-426E-40dd-AFC4-6F175D3DCCD1}">
-              <a14:hiddenFill xmlns="" xmlns:a14="http://schemas.microsoft.com/office/drawing/2010/main">
+              <a14:hiddenFill xmlns:a14="http://schemas.microsoft.com/office/drawing/2010/main" xmlns="">
                 <a:solidFill>
                   <a:srgbClr val="FFFFFF"/>
                 </a:solidFill>
@@ -31198,7 +30817,7 @@
           <a:p>
             <a:r>
               <a:rPr lang="en-US"/>
-              <a:t>© 2019, FLL Tutorials, Last Edit 7/07/2019</a:t>
+              <a:t>© 2022, FLL Tutorials</a:t>
             </a:r>
           </a:p>
         </p:txBody>
